--- a/Presentacion_Hackathon/Presentacion_Hackathon_Walldo.pptx
+++ b/Presentacion_Hackathon/Presentacion_Hackathon_Walldo.pptx
@@ -209,7 +209,7 @@
           <a:p>
             <a:fld id="{1BB0F43B-DB13-4125-A4A8-C92CE70D5820}" type="datetimeFigureOut">
               <a:rPr lang="en-US"/>
-              <a:t>11/25/2018</a:t>
+              <a:t>11/26/2018</a:t>
             </a:fld>
             <a:endParaRPr lang="en-US"/>
           </a:p>
@@ -2642,6 +2642,18 @@
 <file path=ppt/slideLayouts/slideLayout1.xml><?xml version="1.0" encoding="utf-8"?>
 <p:sldLayout xmlns:a="http://schemas.openxmlformats.org/drawingml/2006/main" xmlns:r="http://schemas.openxmlformats.org/officeDocument/2006/relationships" xmlns:p="http://schemas.openxmlformats.org/presentationml/2006/main" type="title" preserve="1">
   <p:cSld name="Title Slide">
+    <p:bg>
+      <p:bgPr>
+        <a:blipFill dpi="0" rotWithShape="1">
+          <a:blip r:embed="rId2"/>
+          <a:srcRect/>
+          <a:stretch>
+            <a:fillRect/>
+          </a:stretch>
+        </a:blipFill>
+        <a:effectLst/>
+      </p:bgPr>
+    </p:bg>
     <p:spTree>
       <p:nvGrpSpPr>
         <p:cNvPr id="1" name=""/>
@@ -2770,7 +2782,7 @@
           <a:p>
             <a:fld id="{846CE7D5-CF57-46EF-B807-FDD0502418D4}" type="datetimeFigureOut">
               <a:rPr lang="en-US" smtClean="0"/>
-              <a:t>11/25/2018</a:t>
+              <a:t>11/26/2018</a:t>
             </a:fld>
             <a:endParaRPr lang="en-US"/>
           </a:p>
@@ -2834,6 +2846,18 @@
 <file path=ppt/slideLayouts/slideLayout10.xml><?xml version="1.0" encoding="utf-8"?>
 <p:sldLayout xmlns:a="http://schemas.openxmlformats.org/drawingml/2006/main" xmlns:r="http://schemas.openxmlformats.org/officeDocument/2006/relationships" xmlns:p="http://schemas.openxmlformats.org/presentationml/2006/main" type="vertTx" preserve="1">
   <p:cSld name="Title and Vertical Text">
+    <p:bg>
+      <p:bgPr>
+        <a:blipFill dpi="0" rotWithShape="1">
+          <a:blip r:embed="rId2"/>
+          <a:srcRect/>
+          <a:stretch>
+            <a:fillRect/>
+          </a:stretch>
+        </a:blipFill>
+        <a:effectLst/>
+      </p:bgPr>
+    </p:bg>
     <p:spTree>
       <p:nvGrpSpPr>
         <p:cNvPr id="1" name=""/>
@@ -2940,7 +2964,7 @@
           <a:p>
             <a:fld id="{846CE7D5-CF57-46EF-B807-FDD0502418D4}" type="datetimeFigureOut">
               <a:rPr lang="en-US" smtClean="0"/>
-              <a:t>11/25/2018</a:t>
+              <a:t>11/26/2018</a:t>
             </a:fld>
             <a:endParaRPr lang="en-US"/>
           </a:p>
@@ -3004,6 +3028,18 @@
 <file path=ppt/slideLayouts/slideLayout11.xml><?xml version="1.0" encoding="utf-8"?>
 <p:sldLayout xmlns:a="http://schemas.openxmlformats.org/drawingml/2006/main" xmlns:r="http://schemas.openxmlformats.org/officeDocument/2006/relationships" xmlns:p="http://schemas.openxmlformats.org/presentationml/2006/main" type="vertTitleAndTx" preserve="1">
   <p:cSld name="Vertical Title and Text">
+    <p:bg>
+      <p:bgPr>
+        <a:blipFill dpi="0" rotWithShape="1">
+          <a:blip r:embed="rId2"/>
+          <a:srcRect/>
+          <a:stretch>
+            <a:fillRect/>
+          </a:stretch>
+        </a:blipFill>
+        <a:effectLst/>
+      </p:bgPr>
+    </p:bg>
     <p:spTree>
       <p:nvGrpSpPr>
         <p:cNvPr id="1" name=""/>
@@ -3120,7 +3156,7 @@
           <a:p>
             <a:fld id="{846CE7D5-CF57-46EF-B807-FDD0502418D4}" type="datetimeFigureOut">
               <a:rPr lang="en-US" smtClean="0"/>
-              <a:t>11/25/2018</a:t>
+              <a:t>11/26/2018</a:t>
             </a:fld>
             <a:endParaRPr lang="en-US"/>
           </a:p>
@@ -3184,6 +3220,18 @@
 <file path=ppt/slideLayouts/slideLayout2.xml><?xml version="1.0" encoding="utf-8"?>
 <p:sldLayout xmlns:a="http://schemas.openxmlformats.org/drawingml/2006/main" xmlns:r="http://schemas.openxmlformats.org/officeDocument/2006/relationships" xmlns:p="http://schemas.openxmlformats.org/presentationml/2006/main" type="obj" preserve="1">
   <p:cSld name="Title and Content">
+    <p:bg>
+      <p:bgPr>
+        <a:blipFill dpi="0" rotWithShape="1">
+          <a:blip r:embed="rId2"/>
+          <a:srcRect/>
+          <a:stretch>
+            <a:fillRect/>
+          </a:stretch>
+        </a:blipFill>
+        <a:effectLst/>
+      </p:bgPr>
+    </p:bg>
     <p:spTree>
       <p:nvGrpSpPr>
         <p:cNvPr id="1" name=""/>
@@ -3290,7 +3338,7 @@
           <a:p>
             <a:fld id="{846CE7D5-CF57-46EF-B807-FDD0502418D4}" type="datetimeFigureOut">
               <a:rPr lang="en-US" smtClean="0"/>
-              <a:t>11/25/2018</a:t>
+              <a:t>11/26/2018</a:t>
             </a:fld>
             <a:endParaRPr lang="en-US"/>
           </a:p>
@@ -3354,6 +3402,18 @@
 <file path=ppt/slideLayouts/slideLayout3.xml><?xml version="1.0" encoding="utf-8"?>
 <p:sldLayout xmlns:a="http://schemas.openxmlformats.org/drawingml/2006/main" xmlns:r="http://schemas.openxmlformats.org/officeDocument/2006/relationships" xmlns:p="http://schemas.openxmlformats.org/presentationml/2006/main" type="secHead" preserve="1">
   <p:cSld name="Section Header">
+    <p:bg>
+      <p:bgPr>
+        <a:blipFill dpi="0" rotWithShape="1">
+          <a:blip r:embed="rId2"/>
+          <a:srcRect/>
+          <a:stretch>
+            <a:fillRect/>
+          </a:stretch>
+        </a:blipFill>
+        <a:effectLst/>
+      </p:bgPr>
+    </p:bg>
     <p:spTree>
       <p:nvGrpSpPr>
         <p:cNvPr id="1" name=""/>
@@ -3536,7 +3596,7 @@
           <a:p>
             <a:fld id="{846CE7D5-CF57-46EF-B807-FDD0502418D4}" type="datetimeFigureOut">
               <a:rPr lang="en-US" smtClean="0"/>
-              <a:t>11/25/2018</a:t>
+              <a:t>11/26/2018</a:t>
             </a:fld>
             <a:endParaRPr lang="en-US"/>
           </a:p>
@@ -3600,6 +3660,18 @@
 <file path=ppt/slideLayouts/slideLayout4.xml><?xml version="1.0" encoding="utf-8"?>
 <p:sldLayout xmlns:a="http://schemas.openxmlformats.org/drawingml/2006/main" xmlns:r="http://schemas.openxmlformats.org/officeDocument/2006/relationships" xmlns:p="http://schemas.openxmlformats.org/presentationml/2006/main" type="twoObj" preserve="1">
   <p:cSld name="Two Content">
+    <p:bg>
+      <p:bgPr>
+        <a:blipFill dpi="0" rotWithShape="1">
+          <a:blip r:embed="rId2"/>
+          <a:srcRect/>
+          <a:stretch>
+            <a:fillRect/>
+          </a:stretch>
+        </a:blipFill>
+        <a:effectLst/>
+      </p:bgPr>
+    </p:bg>
     <p:spTree>
       <p:nvGrpSpPr>
         <p:cNvPr id="1" name=""/>
@@ -3768,7 +3840,7 @@
           <a:p>
             <a:fld id="{846CE7D5-CF57-46EF-B807-FDD0502418D4}" type="datetimeFigureOut">
               <a:rPr lang="en-US" smtClean="0"/>
-              <a:t>11/25/2018</a:t>
+              <a:t>11/26/2018</a:t>
             </a:fld>
             <a:endParaRPr lang="en-US"/>
           </a:p>
@@ -3832,6 +3904,18 @@
 <file path=ppt/slideLayouts/slideLayout5.xml><?xml version="1.0" encoding="utf-8"?>
 <p:sldLayout xmlns:a="http://schemas.openxmlformats.org/drawingml/2006/main" xmlns:r="http://schemas.openxmlformats.org/officeDocument/2006/relationships" xmlns:p="http://schemas.openxmlformats.org/presentationml/2006/main" type="twoTxTwoObj" preserve="1">
   <p:cSld name="Comparison">
+    <p:bg>
+      <p:bgPr>
+        <a:blipFill dpi="0" rotWithShape="1">
+          <a:blip r:embed="rId2"/>
+          <a:srcRect/>
+          <a:stretch>
+            <a:fillRect/>
+          </a:stretch>
+        </a:blipFill>
+        <a:effectLst/>
+      </p:bgPr>
+    </p:bg>
     <p:spTree>
       <p:nvGrpSpPr>
         <p:cNvPr id="1" name=""/>
@@ -4135,7 +4219,7 @@
           <a:p>
             <a:fld id="{846CE7D5-CF57-46EF-B807-FDD0502418D4}" type="datetimeFigureOut">
               <a:rPr lang="en-US" smtClean="0"/>
-              <a:t>11/25/2018</a:t>
+              <a:t>11/26/2018</a:t>
             </a:fld>
             <a:endParaRPr lang="en-US"/>
           </a:p>
@@ -4199,6 +4283,18 @@
 <file path=ppt/slideLayouts/slideLayout6.xml><?xml version="1.0" encoding="utf-8"?>
 <p:sldLayout xmlns:a="http://schemas.openxmlformats.org/drawingml/2006/main" xmlns:r="http://schemas.openxmlformats.org/officeDocument/2006/relationships" xmlns:p="http://schemas.openxmlformats.org/presentationml/2006/main" type="titleOnly" preserve="1">
   <p:cSld name="Title Only">
+    <p:bg>
+      <p:bgPr>
+        <a:blipFill dpi="0" rotWithShape="1">
+          <a:blip r:embed="rId2"/>
+          <a:srcRect/>
+          <a:stretch>
+            <a:fillRect/>
+          </a:stretch>
+        </a:blipFill>
+        <a:effectLst/>
+      </p:bgPr>
+    </p:bg>
     <p:spTree>
       <p:nvGrpSpPr>
         <p:cNvPr id="1" name=""/>
@@ -4253,7 +4349,7 @@
           <a:p>
             <a:fld id="{846CE7D5-CF57-46EF-B807-FDD0502418D4}" type="datetimeFigureOut">
               <a:rPr lang="en-US" smtClean="0"/>
-              <a:t>11/25/2018</a:t>
+              <a:t>11/26/2018</a:t>
             </a:fld>
             <a:endParaRPr lang="en-US"/>
           </a:p>
@@ -4317,6 +4413,18 @@
 <file path=ppt/slideLayouts/slideLayout7.xml><?xml version="1.0" encoding="utf-8"?>
 <p:sldLayout xmlns:a="http://schemas.openxmlformats.org/drawingml/2006/main" xmlns:r="http://schemas.openxmlformats.org/officeDocument/2006/relationships" xmlns:p="http://schemas.openxmlformats.org/presentationml/2006/main" type="blank" preserve="1">
   <p:cSld name="Blank">
+    <p:bg>
+      <p:bgPr>
+        <a:blipFill dpi="0" rotWithShape="1">
+          <a:blip r:embed="rId2"/>
+          <a:srcRect/>
+          <a:stretch>
+            <a:fillRect/>
+          </a:stretch>
+        </a:blipFill>
+        <a:effectLst/>
+      </p:bgPr>
+    </p:bg>
     <p:spTree>
       <p:nvGrpSpPr>
         <p:cNvPr id="1" name=""/>
@@ -4348,7 +4456,7 @@
           <a:p>
             <a:fld id="{846CE7D5-CF57-46EF-B807-FDD0502418D4}" type="datetimeFigureOut">
               <a:rPr lang="en-US" smtClean="0"/>
-              <a:t>11/25/2018</a:t>
+              <a:t>11/26/2018</a:t>
             </a:fld>
             <a:endParaRPr lang="en-US"/>
           </a:p>
@@ -4412,6 +4520,18 @@
 <file path=ppt/slideLayouts/slideLayout8.xml><?xml version="1.0" encoding="utf-8"?>
 <p:sldLayout xmlns:a="http://schemas.openxmlformats.org/drawingml/2006/main" xmlns:r="http://schemas.openxmlformats.org/officeDocument/2006/relationships" xmlns:p="http://schemas.openxmlformats.org/presentationml/2006/main" type="objTx" preserve="1">
   <p:cSld name="Content with Caption">
+    <p:bg>
+      <p:bgPr>
+        <a:blipFill dpi="0" rotWithShape="1">
+          <a:blip r:embed="rId2"/>
+          <a:srcRect/>
+          <a:stretch>
+            <a:fillRect/>
+          </a:stretch>
+        </a:blipFill>
+        <a:effectLst/>
+      </p:bgPr>
+    </p:bg>
     <p:spTree>
       <p:nvGrpSpPr>
         <p:cNvPr id="1" name=""/>
@@ -4625,7 +4745,7 @@
           <a:p>
             <a:fld id="{846CE7D5-CF57-46EF-B807-FDD0502418D4}" type="datetimeFigureOut">
               <a:rPr lang="en-US" smtClean="0"/>
-              <a:t>11/25/2018</a:t>
+              <a:t>11/26/2018</a:t>
             </a:fld>
             <a:endParaRPr lang="en-US"/>
           </a:p>
@@ -4689,6 +4809,18 @@
 <file path=ppt/slideLayouts/slideLayout9.xml><?xml version="1.0" encoding="utf-8"?>
 <p:sldLayout xmlns:a="http://schemas.openxmlformats.org/drawingml/2006/main" xmlns:r="http://schemas.openxmlformats.org/officeDocument/2006/relationships" xmlns:p="http://schemas.openxmlformats.org/presentationml/2006/main" type="picTx" preserve="1">
   <p:cSld name="Picture with Caption">
+    <p:bg>
+      <p:bgPr>
+        <a:blipFill dpi="0" rotWithShape="1">
+          <a:blip r:embed="rId2"/>
+          <a:srcRect/>
+          <a:stretch>
+            <a:fillRect/>
+          </a:stretch>
+        </a:blipFill>
+        <a:effectLst/>
+      </p:bgPr>
+    </p:bg>
     <p:spTree>
       <p:nvGrpSpPr>
         <p:cNvPr id="1" name=""/>
@@ -4882,7 +5014,7 @@
           <a:p>
             <a:fld id="{846CE7D5-CF57-46EF-B807-FDD0502418D4}" type="datetimeFigureOut">
               <a:rPr lang="en-US" smtClean="0"/>
-              <a:t>11/25/2018</a:t>
+              <a:t>11/26/2018</a:t>
             </a:fld>
             <a:endParaRPr lang="en-US"/>
           </a:p>
@@ -4947,9 +5079,16 @@
 <p:sldMaster xmlns:a="http://schemas.openxmlformats.org/drawingml/2006/main" xmlns:r="http://schemas.openxmlformats.org/officeDocument/2006/relationships" xmlns:p="http://schemas.openxmlformats.org/presentationml/2006/main">
   <p:cSld>
     <p:bg>
-      <p:bgRef idx="1001">
-        <a:schemeClr val="bg1"/>
-      </p:bgRef>
+      <p:bgPr>
+        <a:blipFill dpi="0" rotWithShape="1">
+          <a:blip r:embed="rId13"/>
+          <a:srcRect/>
+          <a:stretch>
+            <a:fillRect/>
+          </a:stretch>
+        </a:blipFill>
+        <a:effectLst/>
+      </p:bgPr>
     </p:bg>
     <p:spTree>
       <p:nvGrpSpPr>
@@ -5095,7 +5234,7 @@
           <a:p>
             <a:fld id="{846CE7D5-CF57-46EF-B807-FDD0502418D4}" type="datetimeFigureOut">
               <a:rPr lang="en-US" smtClean="0"/>
-              <a:t>11/25/2018</a:t>
+              <a:t>11/26/2018</a:t>
             </a:fld>
             <a:endParaRPr lang="en-US"/>
           </a:p>
@@ -5486,14 +5625,6 @@
 <file path=ppt/slides/slide1.xml><?xml version="1.0" encoding="utf-8"?>
 <p:sld xmlns:a="http://schemas.openxmlformats.org/drawingml/2006/main" xmlns:r="http://schemas.openxmlformats.org/officeDocument/2006/relationships" xmlns:p="http://schemas.openxmlformats.org/presentationml/2006/main">
   <p:cSld>
-    <p:bg>
-      <p:bgPr>
-        <a:solidFill>
-          <a:schemeClr val="bg1"/>
-        </a:solidFill>
-        <a:effectLst/>
-      </p:bgPr>
-    </p:bg>
     <p:spTree>
       <p:nvGrpSpPr>
         <p:cNvPr id="1" name=""/>
@@ -6647,14 +6778,6 @@
 <file path=ppt/slides/slide3.xml><?xml version="1.0" encoding="utf-8"?>
 <p:sld xmlns:a="http://schemas.openxmlformats.org/drawingml/2006/main" xmlns:r="http://schemas.openxmlformats.org/officeDocument/2006/relationships" xmlns:p="http://schemas.openxmlformats.org/presentationml/2006/main">
   <p:cSld>
-    <p:bg>
-      <p:bgPr>
-        <a:solidFill>
-          <a:schemeClr val="bg1"/>
-        </a:solidFill>
-        <a:effectLst/>
-      </p:bgPr>
-    </p:bg>
     <p:spTree>
       <p:nvGrpSpPr>
         <p:cNvPr id="1" name=""/>

--- a/Presentacion_Hackathon/Presentacion_Hackathon_Walldo.pptx
+++ b/Presentacion_Hackathon/Presentacion_Hackathon_Walldo.pptx
@@ -5,13 +5,14 @@
     <p:sldMasterId id="2147483660" r:id="rId1"/>
   </p:sldMasterIdLst>
   <p:notesMasterIdLst>
-    <p:notesMasterId r:id="rId6"/>
+    <p:notesMasterId r:id="rId7"/>
   </p:notesMasterIdLst>
   <p:sldIdLst>
     <p:sldId id="256" r:id="rId2"/>
     <p:sldId id="257" r:id="rId3"/>
-    <p:sldId id="258" r:id="rId4"/>
-    <p:sldId id="259" r:id="rId5"/>
+    <p:sldId id="260" r:id="rId4"/>
+    <p:sldId id="258" r:id="rId5"/>
+    <p:sldId id="259" r:id="rId6"/>
   </p:sldIdLst>
   <p:sldSz cx="12192000" cy="6858000"/>
   <p:notesSz cx="6858000" cy="2171700"/>
@@ -527,91 +528,85 @@
               <a:t>- La idea </a:t>
             </a:r>
             <a:r>
-              <a:rPr lang="en-US" dirty="0" err="1">
+              <a:rPr lang="en-US" err="1">
                 <a:cs typeface="Calibri"/>
               </a:rPr>
               <a:t>surgió</a:t>
             </a:r>
             <a:r>
+              <a:rPr lang="en-US">
+                <a:cs typeface="Calibri"/>
+              </a:rPr>
+              <a:t> inicialmente </a:t>
+            </a:r>
+            <a:r>
+              <a:rPr lang="en-US" dirty="0">
+                <a:cs typeface="Calibri"/>
+              </a:rPr>
+              <a:t>como </a:t>
+            </a:r>
+            <a:r>
+              <a:rPr lang="en-US" err="1">
+                <a:cs typeface="Calibri"/>
+              </a:rPr>
+              <a:t>mejora</a:t>
+            </a:r>
+            <a:r>
+              <a:rPr lang="en-US">
+                <a:cs typeface="Calibri"/>
+              </a:rPr>
+              <a:t> para fail2ban, </a:t>
+            </a:r>
+            <a:r>
+              <a:rPr lang="en-US" err="1">
+                <a:cs typeface="Calibri"/>
+              </a:rPr>
+              <a:t>haciendo</a:t>
+            </a:r>
+            <a:r>
+              <a:rPr lang="en-US">
+                <a:cs typeface="Calibri"/>
+              </a:rPr>
+              <a:t> que </a:t>
+            </a:r>
+            <a:r>
+              <a:rPr lang="en-US" err="1">
+                <a:cs typeface="Calibri"/>
+              </a:rPr>
+              <a:t>cuando</a:t>
+            </a:r>
+            <a:r>
+              <a:rPr lang="en-US">
+                <a:cs typeface="Calibri"/>
+              </a:rPr>
+              <a:t> un </a:t>
+            </a:r>
+            <a:r>
+              <a:rPr lang="en-US" err="1">
+                <a:cs typeface="Calibri"/>
+              </a:rPr>
+              <a:t>nodo</a:t>
+            </a:r>
+            <a:r>
               <a:rPr lang="en-US" dirty="0">
                 <a:cs typeface="Calibri"/>
               </a:rPr>
               <a:t> </a:t>
             </a:r>
             <a:r>
-              <a:rPr lang="en-US" dirty="0" err="1">
-                <a:cs typeface="Calibri"/>
-              </a:rPr>
-              <a:t>como</a:t>
-            </a:r>
-            <a:r>
-              <a:rPr lang="en-US" dirty="0">
-                <a:cs typeface="Calibri"/>
-              </a:rPr>
-              <a:t> </a:t>
-            </a:r>
-            <a:r>
-              <a:rPr lang="en-US" dirty="0" err="1">
-                <a:cs typeface="Calibri"/>
-              </a:rPr>
-              <a:t>mejora</a:t>
-            </a:r>
-            <a:r>
-              <a:rPr lang="en-US" dirty="0">
-                <a:cs typeface="Calibri"/>
-              </a:rPr>
-              <a:t> para fail2ban, </a:t>
-            </a:r>
-            <a:r>
-              <a:rPr lang="en-US" dirty="0" err="1">
-                <a:cs typeface="Calibri"/>
-              </a:rPr>
-              <a:t>haciendo</a:t>
-            </a:r>
-            <a:r>
-              <a:rPr lang="en-US" dirty="0">
-                <a:cs typeface="Calibri"/>
-              </a:rPr>
-              <a:t> que </a:t>
-            </a:r>
-            <a:r>
-              <a:rPr lang="en-US" dirty="0" err="1">
-                <a:cs typeface="Calibri"/>
-              </a:rPr>
-              <a:t>cuando</a:t>
-            </a:r>
-            <a:r>
-              <a:rPr lang="en-US" dirty="0">
-                <a:cs typeface="Calibri"/>
-              </a:rPr>
-              <a:t> un </a:t>
-            </a:r>
-            <a:r>
-              <a:rPr lang="en-US" dirty="0" err="1">
-                <a:cs typeface="Calibri"/>
-              </a:rPr>
-              <a:t>nodo</a:t>
-            </a:r>
-            <a:r>
-              <a:rPr lang="en-US" dirty="0">
-                <a:cs typeface="Calibri"/>
-              </a:rPr>
-              <a:t> </a:t>
-            </a:r>
-            <a:r>
-              <a:rPr lang="en-US" dirty="0" err="1">
+              <a:rPr lang="en-US" err="1">
                 <a:cs typeface="Calibri"/>
               </a:rPr>
               <a:t>bloquease</a:t>
             </a:r>
             <a:r>
-              <a:rPr lang="en-US" dirty="0">
+              <a:rPr lang="en-US">
                 <a:cs typeface="Calibri"/>
               </a:rPr>
               <a:t> una IP, se lo </a:t>
             </a:r>
             <a:r>
-              <a:rPr lang="en-US" dirty="0" err="1">
+              <a:rPr lang="en-US" err="1">
                 <a:cs typeface="Calibri"/>
               </a:rPr>
               <a:t>comunicase</a:t>
@@ -636,7 +631,7 @@
               <a:t>- </a:t>
             </a:r>
             <a:r>
-              <a:rPr lang="en-US" dirty="0" err="1">
+              <a:rPr lang="en-US" err="1">
                 <a:cs typeface="Calibri"/>
               </a:rPr>
               <a:t>Desarrollando</a:t>
@@ -648,7 +643,7 @@
               <a:t> la idea </a:t>
             </a:r>
             <a:r>
-              <a:rPr lang="en-US" dirty="0" err="1">
+              <a:rPr lang="en-US" err="1">
                 <a:cs typeface="Calibri"/>
               </a:rPr>
               <a:t>vimos</a:t>
@@ -660,7 +655,7 @@
               <a:t> que </a:t>
             </a:r>
             <a:r>
-              <a:rPr lang="en-US" dirty="0" err="1">
+              <a:rPr lang="en-US" err="1">
                 <a:cs typeface="Calibri"/>
               </a:rPr>
               <a:t>podía</a:t>
@@ -672,7 +667,7 @@
               <a:t> </a:t>
             </a:r>
             <a:r>
-              <a:rPr lang="en-US" dirty="0" err="1">
+              <a:rPr lang="en-US" err="1">
                 <a:cs typeface="Calibri"/>
               </a:rPr>
               <a:t>ir</a:t>
@@ -684,7 +679,7 @@
               <a:t> </a:t>
             </a:r>
             <a:r>
-              <a:rPr lang="en-US" dirty="0" err="1">
+              <a:rPr lang="en-US" err="1">
                 <a:cs typeface="Calibri"/>
               </a:rPr>
               <a:t>más</a:t>
@@ -696,7 +691,7 @@
               <a:t> </a:t>
             </a:r>
             <a:r>
-              <a:rPr lang="en-US" dirty="0" err="1">
+              <a:rPr lang="en-US" err="1">
                 <a:cs typeface="Calibri"/>
               </a:rPr>
               <a:t>alla</a:t>
@@ -708,7 +703,7 @@
               <a:t> y ser una </a:t>
             </a:r>
             <a:r>
-              <a:rPr lang="en-US" dirty="0" err="1">
+              <a:rPr lang="en-US" err="1">
                 <a:cs typeface="Calibri"/>
               </a:rPr>
               <a:t>herramienta</a:t>
@@ -720,7 +715,7 @@
               <a:t> </a:t>
             </a:r>
             <a:r>
-              <a:rPr lang="en-US" dirty="0" err="1">
+              <a:rPr lang="en-US" err="1">
                 <a:cs typeface="Calibri"/>
               </a:rPr>
               <a:t>propia</a:t>
@@ -732,7 +727,7 @@
               <a:t> con </a:t>
             </a:r>
             <a:r>
-              <a:rPr lang="en-US" dirty="0" err="1">
+              <a:rPr lang="en-US" err="1">
                 <a:cs typeface="Calibri"/>
               </a:rPr>
               <a:t>mayores</a:t>
@@ -744,7 +739,7 @@
               <a:t> </a:t>
             </a:r>
             <a:r>
-              <a:rPr lang="en-US" dirty="0" err="1">
+              <a:rPr lang="en-US" err="1">
                 <a:cs typeface="Calibri"/>
               </a:rPr>
               <a:t>funcionalidades</a:t>
@@ -756,7 +751,7 @@
               <a:t> y </a:t>
             </a:r>
             <a:r>
-              <a:rPr lang="en-US" dirty="0" err="1">
+              <a:rPr lang="en-US" err="1">
                 <a:cs typeface="Calibri"/>
               </a:rPr>
               <a:t>capacidad</a:t>
@@ -768,7 +763,7 @@
               <a:t> para </a:t>
             </a:r>
             <a:r>
-              <a:rPr lang="en-US" dirty="0" err="1">
+              <a:rPr lang="en-US" err="1">
                 <a:cs typeface="Calibri"/>
               </a:rPr>
               <a:t>detectar</a:t>
@@ -780,7 +775,7 @@
               <a:t> </a:t>
             </a:r>
             <a:r>
-              <a:rPr lang="en-US" dirty="0" err="1">
+              <a:rPr lang="en-US" err="1">
                 <a:cs typeface="Calibri"/>
               </a:rPr>
               <a:t>ataques</a:t>
@@ -792,7 +787,7 @@
               <a:t> que fail2ban no </a:t>
             </a:r>
             <a:r>
-              <a:rPr lang="en-US" dirty="0" err="1">
+              <a:rPr lang="en-US" err="1">
                 <a:cs typeface="Calibri"/>
               </a:rPr>
               <a:t>podría</a:t>
@@ -812,7 +807,7 @@
               <a:t>  - El </a:t>
             </a:r>
             <a:r>
-              <a:rPr lang="en-US" dirty="0" err="1">
+              <a:rPr lang="en-US" err="1">
                 <a:cs typeface="Calibri"/>
               </a:rPr>
               <a:t>ejemplo</a:t>
@@ -824,7 +819,7 @@
               <a:t> que </a:t>
             </a:r>
             <a:r>
-              <a:rPr lang="en-US" dirty="0" err="1">
+              <a:rPr lang="en-US" err="1">
                 <a:cs typeface="Calibri"/>
               </a:rPr>
               <a:t>siempre</a:t>
@@ -836,7 +831,7 @@
               <a:t> </a:t>
             </a:r>
             <a:r>
-              <a:rPr lang="en-US" dirty="0" err="1">
+              <a:rPr lang="en-US" err="1">
                 <a:cs typeface="Calibri"/>
               </a:rPr>
               <a:t>ponemos</a:t>
@@ -848,7 +843,7 @@
               <a:t> es que, </a:t>
             </a:r>
             <a:r>
-              <a:rPr lang="en-US" dirty="0" err="1">
+              <a:rPr lang="en-US" err="1">
                 <a:cs typeface="Calibri"/>
               </a:rPr>
               <a:t>sabiendo</a:t>
@@ -860,7 +855,7 @@
               <a:t> que se </a:t>
             </a:r>
             <a:r>
-              <a:rPr lang="en-US" dirty="0" err="1">
+              <a:rPr lang="en-US" err="1">
                 <a:cs typeface="Calibri"/>
               </a:rPr>
               <a:t>suele</a:t>
@@ -872,7 +867,7 @@
               <a:t> </a:t>
             </a:r>
             <a:r>
-              <a:rPr lang="en-US" dirty="0" err="1">
+              <a:rPr lang="en-US" err="1">
                 <a:cs typeface="Calibri"/>
               </a:rPr>
               <a:t>usar</a:t>
@@ -884,7 +879,7 @@
               <a:t> la </a:t>
             </a:r>
             <a:r>
-              <a:rPr lang="en-US" dirty="0" err="1">
+              <a:rPr lang="en-US" err="1">
                 <a:cs typeface="Calibri"/>
               </a:rPr>
               <a:t>misma</a:t>
@@ -896,7 +891,7 @@
               <a:t> </a:t>
             </a:r>
             <a:r>
-              <a:rPr lang="en-US" dirty="0" err="1">
+              <a:rPr lang="en-US" err="1">
                 <a:cs typeface="Calibri"/>
               </a:rPr>
               <a:t>contraseña</a:t>
@@ -908,7 +903,7 @@
               <a:t> para </a:t>
             </a:r>
             <a:r>
-              <a:rPr lang="en-US" dirty="0" err="1">
+              <a:rPr lang="en-US" err="1">
                 <a:cs typeface="Calibri"/>
               </a:rPr>
               <a:t>diferentes</a:t>
@@ -920,7 +915,7 @@
               <a:t> </a:t>
             </a:r>
             <a:r>
-              <a:rPr lang="en-US" dirty="0" err="1">
+              <a:rPr lang="en-US" err="1">
                 <a:cs typeface="Calibri"/>
               </a:rPr>
               <a:t>maquinas</a:t>
@@ -932,7 +927,7 @@
               <a:t> </a:t>
             </a:r>
             <a:r>
-              <a:rPr lang="en-US" dirty="0" err="1">
+              <a:rPr lang="en-US" err="1">
                 <a:cs typeface="Calibri"/>
               </a:rPr>
               <a:t>si</a:t>
@@ -944,7 +939,7 @@
               <a:t> </a:t>
             </a:r>
             <a:r>
-              <a:rPr lang="en-US" dirty="0" err="1">
+              <a:rPr lang="en-US" err="1">
                 <a:cs typeface="Calibri"/>
               </a:rPr>
               <a:t>yo</a:t>
@@ -956,7 +951,7 @@
               <a:t> </a:t>
             </a:r>
             <a:r>
-              <a:rPr lang="en-US" dirty="0" err="1">
+              <a:rPr lang="en-US" err="1">
                 <a:cs typeface="Calibri"/>
               </a:rPr>
               <a:t>hago</a:t>
@@ -968,7 +963,7 @@
               <a:t> 2 </a:t>
             </a:r>
             <a:r>
-              <a:rPr lang="en-US" dirty="0" err="1">
+              <a:rPr lang="en-US" err="1">
                 <a:cs typeface="Calibri"/>
               </a:rPr>
               <a:t>intentos</a:t>
@@ -980,7 +975,7 @@
               <a:t> en el nodo1, </a:t>
             </a:r>
             <a:r>
-              <a:rPr lang="en-US" dirty="0" err="1">
+              <a:rPr lang="en-US" err="1">
                 <a:cs typeface="Calibri"/>
               </a:rPr>
               <a:t>otros</a:t>
@@ -992,7 +987,7 @@
               <a:t> 2 en el nodo2, y </a:t>
             </a:r>
             <a:r>
-              <a:rPr lang="en-US" dirty="0" err="1">
+              <a:rPr lang="en-US" err="1">
                 <a:cs typeface="Calibri"/>
               </a:rPr>
               <a:t>otros</a:t>
@@ -1004,7 +999,7 @@
               <a:t> dos en el nodo3, fail2ban no </a:t>
             </a:r>
             <a:r>
-              <a:rPr lang="en-US" dirty="0" err="1">
+              <a:rPr lang="en-US" err="1">
                 <a:cs typeface="Calibri"/>
               </a:rPr>
               <a:t>va</a:t>
@@ -1016,7 +1011,7 @@
               <a:t> a "</a:t>
             </a:r>
             <a:r>
-              <a:rPr lang="en-US" dirty="0" err="1">
+              <a:rPr lang="en-US" err="1">
                 <a:cs typeface="Calibri"/>
               </a:rPr>
               <a:t>saltar</a:t>
@@ -1028,7 +1023,7 @@
               <a:t>" y </a:t>
             </a:r>
             <a:r>
-              <a:rPr lang="en-US" dirty="0" err="1">
+              <a:rPr lang="en-US" err="1">
                 <a:cs typeface="Calibri"/>
               </a:rPr>
               <a:t>esos</a:t>
@@ -1040,7 +1035,7 @@
               <a:t> </a:t>
             </a:r>
             <a:r>
-              <a:rPr lang="en-US" dirty="0" err="1">
+              <a:rPr lang="en-US" err="1">
                 <a:cs typeface="Calibri"/>
               </a:rPr>
               <a:t>intentos</a:t>
@@ -1052,7 +1047,7 @@
               <a:t> de </a:t>
             </a:r>
             <a:r>
-              <a:rPr lang="en-US" dirty="0" err="1">
+              <a:rPr lang="en-US" err="1">
                 <a:cs typeface="Calibri"/>
               </a:rPr>
               <a:t>accesos</a:t>
@@ -1064,7 +1059,7 @@
               <a:t> van a pasar </a:t>
             </a:r>
             <a:r>
-              <a:rPr lang="en-US" dirty="0" err="1">
+              <a:rPr lang="en-US" err="1">
                 <a:cs typeface="Calibri"/>
               </a:rPr>
               <a:t>desapercibidos</a:t>
@@ -1084,7 +1079,7 @@
               <a:t>  - En </a:t>
             </a:r>
             <a:r>
-              <a:rPr lang="en-US" dirty="0" err="1">
+              <a:rPr lang="en-US" err="1">
                 <a:cs typeface="Calibri"/>
               </a:rPr>
               <a:t>cambio</a:t>
@@ -1096,7 +1091,7 @@
               <a:t>, con Wall-do, </a:t>
             </a:r>
             <a:r>
-              <a:rPr lang="en-US" dirty="0" err="1">
+              <a:rPr lang="en-US" err="1">
                 <a:cs typeface="Calibri"/>
               </a:rPr>
               <a:t>iran</a:t>
@@ -1108,7 +1103,7 @@
               <a:t> </a:t>
             </a:r>
             <a:r>
-              <a:rPr lang="en-US" dirty="0" err="1">
+              <a:rPr lang="en-US" err="1">
                 <a:cs typeface="Calibri"/>
               </a:rPr>
               <a:t>acumulando</a:t>
@@ -1120,7 +1115,7 @@
               <a:t> puntos, que </a:t>
             </a:r>
             <a:r>
-              <a:rPr lang="en-US" dirty="0" err="1">
+              <a:rPr lang="en-US" err="1">
                 <a:cs typeface="Calibri"/>
               </a:rPr>
               <a:t>si</a:t>
@@ -1132,7 +1127,7 @@
               <a:t> </a:t>
             </a:r>
             <a:r>
-              <a:rPr lang="en-US" dirty="0" err="1">
+              <a:rPr lang="en-US" err="1">
                 <a:cs typeface="Calibri"/>
               </a:rPr>
               <a:t>finalmente</a:t>
@@ -1144,7 +1139,7 @@
               <a:t> </a:t>
             </a:r>
             <a:r>
-              <a:rPr lang="en-US" dirty="0" err="1">
+              <a:rPr lang="en-US" err="1">
                 <a:cs typeface="Calibri"/>
               </a:rPr>
               <a:t>llegan</a:t>
@@ -1156,7 +1151,7 @@
               <a:t> a X </a:t>
             </a:r>
             <a:r>
-              <a:rPr lang="en-US" dirty="0" err="1">
+              <a:rPr lang="en-US" err="1">
                 <a:cs typeface="Calibri"/>
               </a:rPr>
               <a:t>pueden</a:t>
@@ -1168,7 +1163,7 @@
               <a:t> </a:t>
             </a:r>
             <a:r>
-              <a:rPr lang="en-US" dirty="0" err="1">
+              <a:rPr lang="en-US" err="1">
                 <a:cs typeface="Calibri"/>
               </a:rPr>
               <a:t>hacer</a:t>
@@ -1180,7 +1175,7 @@
               <a:t> </a:t>
             </a:r>
             <a:r>
-              <a:rPr lang="en-US" dirty="0" err="1">
+              <a:rPr lang="en-US" err="1">
                 <a:cs typeface="Calibri"/>
               </a:rPr>
               <a:t>saltar</a:t>
@@ -1192,7 +1187,7 @@
               <a:t> una </a:t>
             </a:r>
             <a:r>
-              <a:rPr lang="en-US" dirty="0" err="1">
+              <a:rPr lang="en-US" err="1">
                 <a:cs typeface="Calibri"/>
               </a:rPr>
               <a:t>alerta</a:t>
@@ -1204,7 +1199,7 @@
               <a:t>, un </a:t>
             </a:r>
             <a:r>
-              <a:rPr lang="en-US" dirty="0" err="1">
+              <a:rPr lang="en-US" err="1">
                 <a:cs typeface="Calibri"/>
               </a:rPr>
               <a:t>baneo</a:t>
@@ -1216,7 +1211,7 @@
               <a:t> temporal o </a:t>
             </a:r>
             <a:r>
-              <a:rPr lang="en-US" dirty="0" err="1">
+              <a:rPr lang="en-US" err="1">
                 <a:cs typeface="Calibri"/>
               </a:rPr>
               <a:t>incluso</a:t>
@@ -1228,7 +1223,7 @@
               <a:t> </a:t>
             </a:r>
             <a:r>
-              <a:rPr lang="en-US" dirty="0" err="1">
+              <a:rPr lang="en-US" err="1">
                 <a:cs typeface="Calibri"/>
               </a:rPr>
               <a:t>si</a:t>
@@ -1240,7 +1235,7 @@
               <a:t> se </a:t>
             </a:r>
             <a:r>
-              <a:rPr lang="en-US" dirty="0" err="1">
+              <a:rPr lang="en-US" err="1">
                 <a:cs typeface="Calibri"/>
               </a:rPr>
               <a:t>comprueba</a:t>
@@ -1252,7 +1247,7 @@
               <a:t> que </a:t>
             </a:r>
             <a:r>
-              <a:rPr lang="en-US" dirty="0" err="1">
+              <a:rPr lang="en-US" err="1">
                 <a:cs typeface="Calibri"/>
               </a:rPr>
               <a:t>esa</a:t>
@@ -1264,7 +1259,7 @@
               <a:t> IP </a:t>
             </a:r>
             <a:r>
-              <a:rPr lang="en-US" dirty="0" err="1">
+              <a:rPr lang="en-US" err="1">
                 <a:cs typeface="Calibri"/>
               </a:rPr>
               <a:t>esta</a:t>
@@ -1276,7 +1271,7 @@
               <a:t> </a:t>
             </a:r>
             <a:r>
-              <a:rPr lang="en-US" dirty="0" err="1">
+              <a:rPr lang="en-US" err="1">
                 <a:cs typeface="Calibri"/>
               </a:rPr>
               <a:t>listada</a:t>
@@ -1288,7 +1283,7 @@
               <a:t> en </a:t>
             </a:r>
             <a:r>
-              <a:rPr lang="en-US" dirty="0" err="1">
+              <a:rPr lang="en-US" err="1">
                 <a:cs typeface="Calibri"/>
               </a:rPr>
               <a:t>alguna</a:t>
@@ -1300,7 +1295,7 @@
               <a:t> blacklist se </a:t>
             </a:r>
             <a:r>
-              <a:rPr lang="en-US" dirty="0" err="1">
+              <a:rPr lang="en-US" err="1">
                 <a:cs typeface="Calibri"/>
               </a:rPr>
               <a:t>bloquee</a:t>
@@ -1312,7 +1307,7 @@
               <a:t> </a:t>
             </a:r>
             <a:r>
-              <a:rPr lang="en-US" dirty="0" err="1">
+              <a:rPr lang="en-US" err="1">
                 <a:cs typeface="Calibri"/>
               </a:rPr>
               <a:t>indefinidamente</a:t>
@@ -1337,7 +1332,7 @@
               <a:t>- </a:t>
             </a:r>
             <a:r>
-              <a:rPr lang="en-US" dirty="0" err="1">
+              <a:rPr lang="en-US" err="1">
                 <a:cs typeface="Calibri"/>
               </a:rPr>
               <a:t>Pretendemos</a:t>
@@ -1349,7 +1344,7 @@
               <a:t> que sea una </a:t>
             </a:r>
             <a:r>
-              <a:rPr lang="en-US" dirty="0" err="1">
+              <a:rPr lang="en-US" err="1">
                 <a:cs typeface="Calibri"/>
               </a:rPr>
               <a:t>herramienta</a:t>
@@ -1361,7 +1356,7 @@
               <a:t> </a:t>
             </a:r>
             <a:r>
-              <a:rPr lang="en-US" dirty="0" err="1">
+              <a:rPr lang="en-US" err="1">
                 <a:cs typeface="Calibri"/>
               </a:rPr>
               <a:t>sencilla</a:t>
@@ -1373,7 +1368,7 @@
               <a:t> de </a:t>
             </a:r>
             <a:r>
-              <a:rPr lang="en-US" dirty="0" err="1">
+              <a:rPr lang="en-US" err="1">
                 <a:cs typeface="Calibri"/>
               </a:rPr>
               <a:t>desplegar</a:t>
@@ -1385,7 +1380,7 @@
               <a:t>, para que al </a:t>
             </a:r>
             <a:r>
-              <a:rPr lang="en-US" dirty="0" err="1">
+              <a:rPr lang="en-US" err="1">
                 <a:cs typeface="Calibri"/>
               </a:rPr>
               <a:t>igual</a:t>
@@ -1397,7 +1392,7 @@
               <a:t> que fail2ban, </a:t>
             </a:r>
             <a:r>
-              <a:rPr lang="en-US" dirty="0" err="1">
+              <a:rPr lang="en-US" err="1">
                 <a:cs typeface="Calibri"/>
               </a:rPr>
               <a:t>pueda</a:t>
@@ -1409,7 +1404,7 @@
               <a:t> </a:t>
             </a:r>
             <a:r>
-              <a:rPr lang="en-US" dirty="0" err="1">
+              <a:rPr lang="en-US" err="1">
                 <a:cs typeface="Calibri"/>
               </a:rPr>
               <a:t>usarse</a:t>
@@ -1421,7 +1416,7 @@
               <a:t> por </a:t>
             </a:r>
             <a:r>
-              <a:rPr lang="en-US" dirty="0" err="1">
+              <a:rPr lang="en-US" err="1">
                 <a:cs typeface="Calibri"/>
               </a:rPr>
               <a:t>usuarios</a:t>
@@ -1433,7 +1428,7 @@
               <a:t> "no tan </a:t>
             </a:r>
             <a:r>
-              <a:rPr lang="en-US" dirty="0" err="1">
+              <a:rPr lang="en-US" err="1">
                 <a:cs typeface="Calibri"/>
               </a:rPr>
               <a:t>técnicos</a:t>
@@ -1445,7 +1440,7 @@
               <a:t>" y que </a:t>
             </a:r>
             <a:r>
-              <a:rPr lang="en-US" dirty="0" err="1">
+              <a:rPr lang="en-US" err="1">
                 <a:cs typeface="Calibri"/>
               </a:rPr>
               <a:t>aun</a:t>
@@ -1457,7 +1452,7 @@
               <a:t> </a:t>
             </a:r>
             <a:r>
-              <a:rPr lang="en-US" dirty="0" err="1">
+              <a:rPr lang="en-US" err="1">
                 <a:cs typeface="Calibri"/>
               </a:rPr>
               <a:t>asi</a:t>
@@ -1469,7 +1464,7 @@
               <a:t> sea lo </a:t>
             </a:r>
             <a:r>
-              <a:rPr lang="en-US" dirty="0" err="1">
+              <a:rPr lang="en-US" err="1">
                 <a:cs typeface="Calibri"/>
               </a:rPr>
               <a:t>suficientemente</a:t>
@@ -1481,7 +1476,7 @@
               <a:t> "modular" y "configurable" para que </a:t>
             </a:r>
             <a:r>
-              <a:rPr lang="en-US" dirty="0" err="1">
+              <a:rPr lang="en-US" err="1">
                 <a:cs typeface="Calibri"/>
               </a:rPr>
               <a:t>perfiles</a:t>
@@ -1493,7 +1488,7 @@
               <a:t> </a:t>
             </a:r>
             <a:r>
-              <a:rPr lang="en-US" dirty="0" err="1">
+              <a:rPr lang="en-US" err="1">
                 <a:cs typeface="Calibri"/>
               </a:rPr>
               <a:t>más</a:t>
@@ -1505,7 +1500,7 @@
               <a:t> </a:t>
             </a:r>
             <a:r>
-              <a:rPr lang="en-US" dirty="0" err="1">
+              <a:rPr lang="en-US" err="1">
                 <a:cs typeface="Calibri"/>
               </a:rPr>
               <a:t>avanzados</a:t>
@@ -1517,7 +1512,7 @@
               <a:t> </a:t>
             </a:r>
             <a:r>
-              <a:rPr lang="en-US" dirty="0" err="1">
+              <a:rPr lang="en-US" err="1">
                 <a:cs typeface="Calibri"/>
               </a:rPr>
               <a:t>puedan</a:t>
@@ -1529,7 +1524,7 @@
               <a:t> </a:t>
             </a:r>
             <a:r>
-              <a:rPr lang="en-US" dirty="0" err="1">
+              <a:rPr lang="en-US" err="1">
                 <a:cs typeface="Calibri"/>
               </a:rPr>
               <a:t>sacarle</a:t>
@@ -1541,7 +1536,7 @@
               <a:t> el </a:t>
             </a:r>
             <a:r>
-              <a:rPr lang="en-US" dirty="0" err="1">
+              <a:rPr lang="en-US" err="1">
                 <a:cs typeface="Calibri"/>
               </a:rPr>
               <a:t>máximo</a:t>
@@ -1553,7 +1548,7 @@
               <a:t> </a:t>
             </a:r>
             <a:r>
-              <a:rPr lang="en-US" dirty="0" err="1">
+              <a:rPr lang="en-US" err="1">
                 <a:cs typeface="Calibri"/>
               </a:rPr>
               <a:t>provecho</a:t>
@@ -1653,6 +1648,140 @@
           <a:lstStyle/>
           <a:p>
             <a:r>
+              <a:rPr lang="en-US">
+                <a:cs typeface="Calibri"/>
+              </a:rPr>
+              <a:t>- Como hemos comentado, queremos que la herramienta sea sencilla de utilizar por lo que la infraestructura se levanta sobre docker con docker-compose.</a:t>
+            </a:r>
+          </a:p>
+          <a:p>
+            <a:endParaRPr lang="en-US" dirty="0">
+              <a:cs typeface="Calibri"/>
+            </a:endParaRPr>
+          </a:p>
+          <a:p>
+            <a:r>
+              <a:rPr lang="en-US">
+                <a:cs typeface="Calibri"/>
+              </a:rPr>
+              <a:t>- Hemos elegido Python como lengiuaje de programación su versatilidad, tenemos librerias para trabajar con mongo, con elastic y ahora mismo es uno de los lenaguajes más utilizados lo que hace que facilita que la gente pueda animarse a desarrollar modulos para el proyecto y exterder las funcionalidades que tiene.</a:t>
+            </a:r>
+            <a:endParaRPr lang="en-US" dirty="0">
+              <a:cs typeface="Calibri"/>
+            </a:endParaRPr>
+          </a:p>
+          <a:p>
+            <a:endParaRPr lang="en-US" dirty="0">
+              <a:cs typeface="Calibri"/>
+            </a:endParaRPr>
+          </a:p>
+          <a:p>
+            <a:r>
+              <a:rPr lang="en-US">
+                <a:cs typeface="Calibri"/>
+              </a:rPr>
+              <a:t>- Para la BBDD nos hemos decantado por mongodb porque buscabamos algo simple y rápido donde almacenar la información necesaria para los calculos de la puntuación.</a:t>
+            </a:r>
+          </a:p>
+          <a:p>
+            <a:endParaRPr lang="en-US" dirty="0">
+              <a:cs typeface="Calibri"/>
+            </a:endParaRPr>
+          </a:p>
+          <a:p>
+            <a:r>
+              <a:rPr lang="en-US">
+                <a:cs typeface="Calibri"/>
+              </a:rPr>
+              <a:t>- Para centralizar los logs hemos pensado en primer lugar en el stack de ELK porque es uno de los más usados, pero la idea es que la aplicación sea independiente del sistemas que se use para centralizar los logs.</a:t>
+            </a:r>
+            <a:endParaRPr lang="en-US" dirty="0">
+              <a:cs typeface="Calibri"/>
+            </a:endParaRPr>
+          </a:p>
+        </p:txBody>
+      </p:sp>
+      <p:sp>
+        <p:nvSpPr>
+          <p:cNvPr id="4" name="Slide Number Placeholder 3"/>
+          <p:cNvSpPr>
+            <a:spLocks noGrp="1"/>
+          </p:cNvSpPr>
+          <p:nvPr>
+            <p:ph type="sldNum" sz="quarter" idx="5"/>
+          </p:nvPr>
+        </p:nvSpPr>
+        <p:spPr/>
+        <p:txBody>
+          <a:bodyPr/>
+          <a:lstStyle/>
+          <a:p>
+            <a:fld id="{03514260-EAE6-4919-BDD3-DD04EEFB68FD}" type="slidenum">
+              <a:rPr lang="en-US"/>
+              <a:t>3</a:t>
+            </a:fld>
+            <a:endParaRPr lang="en-US"/>
+          </a:p>
+        </p:txBody>
+      </p:sp>
+    </p:spTree>
+    <p:extLst>
+      <p:ext uri="{BB962C8B-B14F-4D97-AF65-F5344CB8AC3E}">
+        <p14:creationId xmlns:p14="http://schemas.microsoft.com/office/powerpoint/2010/main" val="3211661880"/>
+      </p:ext>
+    </p:extLst>
+  </p:cSld>
+  <p:clrMapOvr>
+    <a:masterClrMapping/>
+  </p:clrMapOvr>
+</p:notes>
+</file>
+
+<file path=ppt/notesSlides/notesSlide3.xml><?xml version="1.0" encoding="utf-8"?>
+<p:notes xmlns:a="http://schemas.openxmlformats.org/drawingml/2006/main" xmlns:r="http://schemas.openxmlformats.org/officeDocument/2006/relationships" xmlns:p="http://schemas.openxmlformats.org/presentationml/2006/main">
+  <p:cSld>
+    <p:spTree>
+      <p:nvGrpSpPr>
+        <p:cNvPr id="1" name=""/>
+        <p:cNvGrpSpPr/>
+        <p:nvPr/>
+      </p:nvGrpSpPr>
+      <p:grpSpPr>
+        <a:xfrm>
+          <a:off x="0" y="0"/>
+          <a:ext cx="0" cy="0"/>
+          <a:chOff x="0" y="0"/>
+          <a:chExt cx="0" cy="0"/>
+        </a:xfrm>
+      </p:grpSpPr>
+      <p:sp>
+        <p:nvSpPr>
+          <p:cNvPr id="2" name="Slide Image Placeholder 1"/>
+          <p:cNvSpPr>
+            <a:spLocks noGrp="1" noRot="1" noChangeAspect="1"/>
+          </p:cNvSpPr>
+          <p:nvPr>
+            <p:ph type="sldImg"/>
+          </p:nvPr>
+        </p:nvSpPr>
+        <p:spPr/>
+      </p:sp>
+      <p:sp>
+        <p:nvSpPr>
+          <p:cNvPr id="3" name="Notes Placeholder 2"/>
+          <p:cNvSpPr>
+            <a:spLocks noGrp="1"/>
+          </p:cNvSpPr>
+          <p:nvPr>
+            <p:ph type="body" idx="1"/>
+          </p:nvPr>
+        </p:nvSpPr>
+        <p:spPr/>
+        <p:txBody>
+          <a:bodyPr/>
+          <a:lstStyle/>
+          <a:p>
+            <a:r>
               <a:rPr lang="en-US" dirty="0">
                 <a:cs typeface="Calibri"/>
               </a:rPr>
@@ -2486,7 +2615,7 @@
 </p:notes>
 </file>
 
-<file path=ppt/notesSlides/notesSlide3.xml><?xml version="1.0" encoding="utf-8"?>
+<file path=ppt/notesSlides/notesSlide4.xml><?xml version="1.0" encoding="utf-8"?>
 <p:notes xmlns:a="http://schemas.openxmlformats.org/drawingml/2006/main" xmlns:r="http://schemas.openxmlformats.org/officeDocument/2006/relationships" xmlns:p="http://schemas.openxmlformats.org/presentationml/2006/main">
   <p:cSld>
     <p:spTree>
@@ -6505,11 +6634,11 @@
               <a:t> IPs en los logs a </a:t>
             </a:r>
             <a:r>
-              <a:rPr lang="en-US" err="1">
+              <a:rPr lang="es-ES_tradnl">
                 <a:latin typeface="Dubai"/>
                 <a:cs typeface="Dubai"/>
               </a:rPr>
-              <a:t>traves</a:t>
+              <a:t>través</a:t>
             </a:r>
             <a:r>
               <a:rPr lang="en-US" dirty="0">
@@ -6778,6 +6907,1306 @@
 <file path=ppt/slides/slide3.xml><?xml version="1.0" encoding="utf-8"?>
 <p:sld xmlns:a="http://schemas.openxmlformats.org/drawingml/2006/main" xmlns:r="http://schemas.openxmlformats.org/officeDocument/2006/relationships" xmlns:p="http://schemas.openxmlformats.org/presentationml/2006/main">
   <p:cSld>
+    <p:bg>
+      <p:bgPr>
+        <a:solidFill>
+          <a:schemeClr val="bg1"/>
+        </a:solidFill>
+        <a:effectLst/>
+      </p:bgPr>
+    </p:bg>
+    <p:spTree>
+      <p:nvGrpSpPr>
+        <p:cNvPr id="1" name=""/>
+        <p:cNvGrpSpPr/>
+        <p:nvPr/>
+      </p:nvGrpSpPr>
+      <p:grpSpPr>
+        <a:xfrm>
+          <a:off x="0" y="0"/>
+          <a:ext cx="0" cy="0"/>
+          <a:chOff x="0" y="0"/>
+          <a:chExt cx="0" cy="0"/>
+        </a:xfrm>
+      </p:grpSpPr>
+      <p:sp>
+        <p:nvSpPr>
+          <p:cNvPr id="15" name="Rectangle 17">
+            <a:extLst>
+              <a:ext uri="{FF2B5EF4-FFF2-40B4-BE49-F238E27FC236}">
+                <a16:creationId xmlns:a16="http://schemas.microsoft.com/office/drawing/2014/main" id="{BF19CFE6-7621-4FFB-A4F3-53DFD3860D97}"/>
+              </a:ext>
+              <a:ext uri="{C183D7F6-B498-43B3-948B-1728B52AA6E4}">
+                <adec:decorative xmlns:adec="http://schemas.microsoft.com/office/drawing/2017/decorative" val="1"/>
+              </a:ext>
+            </a:extLst>
+          </p:cNvPr>
+          <p:cNvSpPr>
+            <a:spLocks noGrp="1" noRot="1" noChangeAspect="1" noMove="1" noResize="1" noEditPoints="1" noAdjustHandles="1" noChangeArrowheads="1" noChangeShapeType="1" noTextEdit="1"/>
+          </p:cNvSpPr>
+          <p:nvPr>
+            <p:extLst>
+              <p:ext uri="{386F3935-93C4-4BCD-93E2-E3B085C9AB24}">
+                <p16:designElem xmlns:p16="http://schemas.microsoft.com/office/powerpoint/2015/main" val="1"/>
+              </p:ext>
+            </p:extLst>
+          </p:nvPr>
+        </p:nvSpPr>
+        <p:spPr>
+          <a:xfrm>
+            <a:off x="0" y="0"/>
+            <a:ext cx="3550111" cy="4153532"/>
+          </a:xfrm>
+          <a:prstGeom prst="rect">
+            <a:avLst/>
+          </a:prstGeom>
+          <a:gradFill>
+            <a:gsLst>
+              <a:gs pos="0">
+                <a:schemeClr val="accent1">
+                  <a:lumMod val="100000"/>
+                  <a:alpha val="82000"/>
+                </a:schemeClr>
+              </a:gs>
+              <a:gs pos="25000">
+                <a:schemeClr val="accent1">
+                  <a:alpha val="60000"/>
+                </a:schemeClr>
+              </a:gs>
+              <a:gs pos="94000">
+                <a:schemeClr val="bg2">
+                  <a:lumMod val="75000"/>
+                </a:schemeClr>
+              </a:gs>
+              <a:gs pos="100000">
+                <a:schemeClr val="bg2">
+                  <a:lumMod val="75000"/>
+                </a:schemeClr>
+              </a:gs>
+            </a:gsLst>
+            <a:lin ang="4200000" scaled="0"/>
+          </a:gradFill>
+          <a:ln>
+            <a:noFill/>
+          </a:ln>
+        </p:spPr>
+        <p:style>
+          <a:lnRef idx="2">
+            <a:schemeClr val="accent1">
+              <a:shade val="50000"/>
+            </a:schemeClr>
+          </a:lnRef>
+          <a:fillRef idx="1">
+            <a:schemeClr val="accent1"/>
+          </a:fillRef>
+          <a:effectRef idx="0">
+            <a:schemeClr val="accent1"/>
+          </a:effectRef>
+          <a:fontRef idx="minor">
+            <a:schemeClr val="lt1"/>
+          </a:fontRef>
+        </p:style>
+        <p:txBody>
+          <a:bodyPr rtlCol="0" anchor="ctr"/>
+          <a:lstStyle/>
+          <a:p>
+            <a:pPr algn="ctr"/>
+            <a:endParaRPr lang="en-US"/>
+          </a:p>
+        </p:txBody>
+      </p:sp>
+      <p:sp>
+        <p:nvSpPr>
+          <p:cNvPr id="16" name="Rectangle 19">
+            <a:extLst>
+              <a:ext uri="{FF2B5EF4-FFF2-40B4-BE49-F238E27FC236}">
+                <a16:creationId xmlns:a16="http://schemas.microsoft.com/office/drawing/2014/main" id="{3F4DD1A1-652B-4ECB-A8DE-07087A834E61}"/>
+              </a:ext>
+              <a:ext uri="{C183D7F6-B498-43B3-948B-1728B52AA6E4}">
+                <adec:decorative xmlns:adec="http://schemas.microsoft.com/office/drawing/2017/decorative" val="1"/>
+              </a:ext>
+            </a:extLst>
+          </p:cNvPr>
+          <p:cNvSpPr>
+            <a:spLocks noGrp="1" noRot="1" noChangeAspect="1" noMove="1" noResize="1" noEditPoints="1" noAdjustHandles="1" noChangeArrowheads="1" noChangeShapeType="1" noTextEdit="1"/>
+          </p:cNvSpPr>
+          <p:nvPr>
+            <p:extLst>
+              <p:ext uri="{386F3935-93C4-4BCD-93E2-E3B085C9AB24}">
+                <p16:designElem xmlns:p16="http://schemas.microsoft.com/office/powerpoint/2015/main" val="1"/>
+              </p:ext>
+            </p:extLst>
+          </p:nvPr>
+        </p:nvSpPr>
+        <p:spPr>
+          <a:xfrm>
+            <a:off x="3550491" y="0"/>
+            <a:ext cx="8641509" cy="6858000"/>
+          </a:xfrm>
+          <a:prstGeom prst="rect">
+            <a:avLst/>
+          </a:prstGeom>
+          <a:gradFill>
+            <a:gsLst>
+              <a:gs pos="0">
+                <a:schemeClr val="accent1">
+                  <a:lumMod val="100000"/>
+                  <a:alpha val="82000"/>
+                </a:schemeClr>
+              </a:gs>
+              <a:gs pos="25000">
+                <a:schemeClr val="accent1">
+                  <a:alpha val="60000"/>
+                </a:schemeClr>
+              </a:gs>
+              <a:gs pos="94000">
+                <a:schemeClr val="bg2">
+                  <a:lumMod val="75000"/>
+                </a:schemeClr>
+              </a:gs>
+              <a:gs pos="100000">
+                <a:schemeClr val="bg2">
+                  <a:lumMod val="75000"/>
+                </a:schemeClr>
+              </a:gs>
+            </a:gsLst>
+            <a:lin ang="4200000" scaled="0"/>
+          </a:gradFill>
+          <a:ln>
+            <a:noFill/>
+          </a:ln>
+        </p:spPr>
+        <p:style>
+          <a:lnRef idx="2">
+            <a:schemeClr val="accent1">
+              <a:shade val="50000"/>
+            </a:schemeClr>
+          </a:lnRef>
+          <a:fillRef idx="1">
+            <a:schemeClr val="accent1"/>
+          </a:fillRef>
+          <a:effectRef idx="0">
+            <a:schemeClr val="accent1"/>
+          </a:effectRef>
+          <a:fontRef idx="minor">
+            <a:schemeClr val="lt1"/>
+          </a:fontRef>
+        </p:style>
+        <p:txBody>
+          <a:bodyPr rtlCol="0" anchor="ctr"/>
+          <a:lstStyle/>
+          <a:p>
+            <a:pPr algn="ctr"/>
+            <a:endParaRPr lang="en-US"/>
+          </a:p>
+        </p:txBody>
+      </p:sp>
+      <p:pic>
+        <p:nvPicPr>
+          <p:cNvPr id="17" name="Picture 21">
+            <a:extLst>
+              <a:ext uri="{FF2B5EF4-FFF2-40B4-BE49-F238E27FC236}">
+                <a16:creationId xmlns:a16="http://schemas.microsoft.com/office/drawing/2014/main" id="{E2271F3E-C693-4F5F-9E5F-B543945DDB94}"/>
+              </a:ext>
+              <a:ext uri="{C183D7F6-B498-43B3-948B-1728B52AA6E4}">
+                <adec:decorative xmlns:adec="http://schemas.microsoft.com/office/drawing/2017/decorative" val="1"/>
+              </a:ext>
+            </a:extLst>
+          </p:cNvPr>
+          <p:cNvPicPr>
+            <a:picLocks noGrp="1" noRot="1" noChangeAspect="1" noMove="1" noResize="1" noEditPoints="1" noAdjustHandles="1" noChangeArrowheads="1" noChangeShapeType="1" noCrop="1"/>
+          </p:cNvPicPr>
+          <p:nvPr>
+            <p:extLst>
+              <p:ext uri="{386F3935-93C4-4BCD-93E2-E3B085C9AB24}">
+                <p16:designElem xmlns:p16="http://schemas.microsoft.com/office/powerpoint/2015/main" val="1"/>
+              </p:ext>
+            </p:extLst>
+          </p:nvPr>
+        </p:nvPicPr>
+        <p:blipFill>
+          <a:blip r:embed="rId3">
+            <a:extLst>
+              <a:ext uri="{28A0092B-C50C-407E-A947-70E740481C1C}">
+                <a14:useLocalDpi xmlns:a14="http://schemas.microsoft.com/office/drawing/2010/main" val="0"/>
+              </a:ext>
+            </a:extLst>
+          </a:blip>
+          <a:stretch>
+            <a:fillRect/>
+          </a:stretch>
+        </p:blipFill>
+        <p:spPr>
+          <a:xfrm flipH="1">
+            <a:off x="0" y="0"/>
+            <a:ext cx="12192000" cy="6858000"/>
+          </a:xfrm>
+          <a:prstGeom prst="rect">
+            <a:avLst/>
+          </a:prstGeom>
+        </p:spPr>
+      </p:pic>
+      <p:sp>
+        <p:nvSpPr>
+          <p:cNvPr id="3" name="Subtitle 2">
+            <a:extLst>
+              <a:ext uri="{FF2B5EF4-FFF2-40B4-BE49-F238E27FC236}">
+                <a16:creationId xmlns:a16="http://schemas.microsoft.com/office/drawing/2014/main" id="{27F4E6B1-3B9A-424A-8BB7-D12E382210FD}"/>
+              </a:ext>
+            </a:extLst>
+          </p:cNvPr>
+          <p:cNvSpPr>
+            <a:spLocks noGrp="1"/>
+          </p:cNvSpPr>
+          <p:nvPr>
+            <p:ph type="subTitle" idx="1"/>
+          </p:nvPr>
+        </p:nvSpPr>
+        <p:spPr>
+          <a:xfrm>
+            <a:off x="804699" y="4267832"/>
+            <a:ext cx="5946202" cy="795770"/>
+          </a:xfrm>
+        </p:spPr>
+        <p:txBody>
+          <a:bodyPr vert="horz" lIns="91440" tIns="45720" rIns="91440" bIns="45720" rtlCol="0" anchor="b">
+            <a:normAutofit/>
+          </a:bodyPr>
+          <a:lstStyle/>
+          <a:p>
+            <a:pPr marL="342900" indent="-342900" algn="l">
+              <a:buChar char="•"/>
+            </a:pPr>
+            <a:r>
+              <a:rPr lang="en-US" sz="500">
+                <a:solidFill>
+                  <a:srgbClr val="000000"/>
+                </a:solidFill>
+                <a:latin typeface="Dubai"/>
+                <a:cs typeface="Dubai"/>
+              </a:rPr>
+              <a:t>Docker</a:t>
+            </a:r>
+            <a:br>
+              <a:rPr lang="en-US" sz="500">
+                <a:solidFill>
+                  <a:srgbClr val="000000"/>
+                </a:solidFill>
+                <a:latin typeface="Dubai"/>
+                <a:cs typeface="Dubai"/>
+              </a:rPr>
+            </a:br>
+            <a:endParaRPr lang="en-US" sz="500">
+              <a:solidFill>
+                <a:srgbClr val="000000"/>
+              </a:solidFill>
+              <a:latin typeface="Dubai"/>
+              <a:cs typeface="Dubai"/>
+            </a:endParaRPr>
+          </a:p>
+          <a:p>
+            <a:pPr marL="342900" indent="-342900" algn="l">
+              <a:buChar char="•"/>
+            </a:pPr>
+            <a:endParaRPr lang="en-US" sz="500">
+              <a:solidFill>
+                <a:srgbClr val="000000"/>
+              </a:solidFill>
+              <a:latin typeface="Dubai"/>
+              <a:cs typeface="Dubai"/>
+            </a:endParaRPr>
+          </a:p>
+          <a:p>
+            <a:pPr marL="342900" indent="-342900" algn="l">
+              <a:buChar char="•"/>
+            </a:pPr>
+            <a:r>
+              <a:rPr lang="en-US" sz="500">
+                <a:solidFill>
+                  <a:srgbClr val="000000"/>
+                </a:solidFill>
+                <a:latin typeface="Calibri"/>
+                <a:cs typeface="Calibri"/>
+              </a:rPr>
+              <a:t>Python</a:t>
+            </a:r>
+          </a:p>
+          <a:p>
+            <a:pPr marL="342900" indent="-342900" algn="l">
+              <a:buChar char="•"/>
+            </a:pPr>
+            <a:endParaRPr lang="en-US" sz="500">
+              <a:solidFill>
+                <a:srgbClr val="000000"/>
+              </a:solidFill>
+              <a:latin typeface="Calibri"/>
+              <a:cs typeface="Calibri"/>
+            </a:endParaRPr>
+          </a:p>
+          <a:p>
+            <a:pPr marL="342900" indent="-342900" algn="l">
+              <a:buChar char="•"/>
+            </a:pPr>
+            <a:endParaRPr lang="en-US" sz="500">
+              <a:solidFill>
+                <a:srgbClr val="000000"/>
+              </a:solidFill>
+              <a:latin typeface="Calibri"/>
+              <a:cs typeface="Calibri"/>
+            </a:endParaRPr>
+          </a:p>
+          <a:p>
+            <a:pPr marL="342900" indent="-342900" algn="l">
+              <a:buChar char="•"/>
+            </a:pPr>
+            <a:r>
+              <a:rPr lang="en-US" sz="500">
+                <a:solidFill>
+                  <a:srgbClr val="000000"/>
+                </a:solidFill>
+                <a:latin typeface="Calibri"/>
+                <a:cs typeface="Calibri"/>
+              </a:rPr>
+              <a:t>mongoDB</a:t>
+            </a:r>
+          </a:p>
+          <a:p>
+            <a:pPr marL="342900" indent="-342900" algn="l">
+              <a:buChar char="•"/>
+            </a:pPr>
+            <a:endParaRPr lang="en-US" sz="500">
+              <a:solidFill>
+                <a:srgbClr val="000000"/>
+              </a:solidFill>
+              <a:latin typeface="Calibri"/>
+              <a:cs typeface="Calibri"/>
+            </a:endParaRPr>
+          </a:p>
+          <a:p>
+            <a:pPr marL="342900" indent="-342900" algn="l">
+              <a:buChar char="•"/>
+            </a:pPr>
+            <a:endParaRPr lang="en-US" sz="500">
+              <a:solidFill>
+                <a:srgbClr val="000000"/>
+              </a:solidFill>
+              <a:latin typeface="Calibri"/>
+              <a:cs typeface="Calibri"/>
+            </a:endParaRPr>
+          </a:p>
+          <a:p>
+            <a:pPr marL="342900" indent="-342900" algn="l">
+              <a:buChar char="•"/>
+            </a:pPr>
+            <a:r>
+              <a:rPr lang="en-US" sz="500">
+                <a:solidFill>
+                  <a:srgbClr val="000000"/>
+                </a:solidFill>
+                <a:latin typeface="Calibri"/>
+                <a:cs typeface="Calibri"/>
+              </a:rPr>
+              <a:t>ELK</a:t>
+            </a:r>
+          </a:p>
+          <a:p>
+            <a:pPr marL="342900" indent="-342900" algn="l">
+              <a:buChar char="•"/>
+            </a:pPr>
+            <a:endParaRPr lang="en-US" sz="500">
+              <a:solidFill>
+                <a:srgbClr val="000000"/>
+              </a:solidFill>
+              <a:latin typeface="Calibri"/>
+              <a:cs typeface="Calibri"/>
+            </a:endParaRPr>
+          </a:p>
+          <a:p>
+            <a:pPr marL="800100" lvl="1" indent="-342900" algn="l">
+              <a:buChar char="•"/>
+            </a:pPr>
+            <a:endParaRPr lang="en-US" sz="500">
+              <a:solidFill>
+                <a:srgbClr val="000000"/>
+              </a:solidFill>
+              <a:latin typeface="Dubai"/>
+              <a:cs typeface="Dubai"/>
+            </a:endParaRPr>
+          </a:p>
+          <a:p>
+            <a:pPr marL="342900" indent="-342900" algn="l">
+              <a:buChar char="•"/>
+            </a:pPr>
+            <a:endParaRPr lang="en-US" sz="500">
+              <a:solidFill>
+                <a:srgbClr val="000000"/>
+              </a:solidFill>
+              <a:latin typeface="Dubai"/>
+              <a:cs typeface="Dubai"/>
+            </a:endParaRPr>
+          </a:p>
+        </p:txBody>
+      </p:sp>
+      <p:sp>
+        <p:nvSpPr>
+          <p:cNvPr id="19" name="Freeform 75">
+            <a:extLst>
+              <a:ext uri="{FF2B5EF4-FFF2-40B4-BE49-F238E27FC236}">
+                <a16:creationId xmlns:a16="http://schemas.microsoft.com/office/drawing/2014/main" id="{D4A67D3B-CF15-41C0-AEB5-8D857A8AE855}"/>
+              </a:ext>
+              <a:ext uri="{C183D7F6-B498-43B3-948B-1728B52AA6E4}">
+                <adec:decorative xmlns:adec="http://schemas.microsoft.com/office/drawing/2017/decorative" val="1"/>
+              </a:ext>
+            </a:extLst>
+          </p:cNvPr>
+          <p:cNvSpPr>
+            <a:spLocks noGrp="1" noRot="1" noChangeAspect="1" noMove="1" noResize="1" noEditPoints="1" noAdjustHandles="1" noChangeArrowheads="1" noChangeShapeType="1" noTextEdit="1"/>
+          </p:cNvSpPr>
+          <p:nvPr>
+            <p:extLst>
+              <p:ext uri="{386F3935-93C4-4BCD-93E2-E3B085C9AB24}">
+                <p16:designElem xmlns:p16="http://schemas.microsoft.com/office/powerpoint/2015/main" val="1"/>
+              </p:ext>
+            </p:extLst>
+          </p:nvPr>
+        </p:nvSpPr>
+        <p:spPr>
+          <a:xfrm>
+            <a:off x="0" y="2"/>
+            <a:ext cx="3138412" cy="3315551"/>
+          </a:xfrm>
+          <a:custGeom>
+            <a:avLst/>
+            <a:gdLst>
+              <a:gd name="connsiteX0" fmla="*/ 0 w 3138412"/>
+              <a:gd name="connsiteY0" fmla="*/ 0 h 3315551"/>
+              <a:gd name="connsiteX1" fmla="*/ 2697473 w 3138412"/>
+              <a:gd name="connsiteY1" fmla="*/ 0 h 3315551"/>
+              <a:gd name="connsiteX2" fmla="*/ 2788573 w 3138412"/>
+              <a:gd name="connsiteY2" fmla="*/ 121826 h 3315551"/>
+              <a:gd name="connsiteX3" fmla="*/ 3138412 w 3138412"/>
+              <a:gd name="connsiteY3" fmla="*/ 1267122 h 3315551"/>
+              <a:gd name="connsiteX4" fmla="*/ 1089983 w 3138412"/>
+              <a:gd name="connsiteY4" fmla="*/ 3315551 h 3315551"/>
+              <a:gd name="connsiteX5" fmla="*/ 113581 w 3138412"/>
+              <a:gd name="connsiteY5" fmla="*/ 3068317 h 3315551"/>
+              <a:gd name="connsiteX6" fmla="*/ 0 w 3138412"/>
+              <a:gd name="connsiteY6" fmla="*/ 2999315 h 3315551"/>
+            </a:gdLst>
+            <a:ahLst/>
+            <a:cxnLst>
+              <a:cxn ang="0">
+                <a:pos x="connsiteX0" y="connsiteY0"/>
+              </a:cxn>
+              <a:cxn ang="0">
+                <a:pos x="connsiteX1" y="connsiteY1"/>
+              </a:cxn>
+              <a:cxn ang="0">
+                <a:pos x="connsiteX2" y="connsiteY2"/>
+              </a:cxn>
+              <a:cxn ang="0">
+                <a:pos x="connsiteX3" y="connsiteY3"/>
+              </a:cxn>
+              <a:cxn ang="0">
+                <a:pos x="connsiteX4" y="connsiteY4"/>
+              </a:cxn>
+              <a:cxn ang="0">
+                <a:pos x="connsiteX5" y="connsiteY5"/>
+              </a:cxn>
+              <a:cxn ang="0">
+                <a:pos x="connsiteX6" y="connsiteY6"/>
+              </a:cxn>
+            </a:cxnLst>
+            <a:rect l="l" t="t" r="r" b="b"/>
+            <a:pathLst>
+              <a:path w="3138412" h="3315551">
+                <a:moveTo>
+                  <a:pt x="0" y="0"/>
+                </a:moveTo>
+                <a:lnTo>
+                  <a:pt x="2697473" y="0"/>
+                </a:lnTo>
+                <a:lnTo>
+                  <a:pt x="2788573" y="121826"/>
+                </a:lnTo>
+                <a:cubicBezTo>
+                  <a:pt x="3009443" y="448758"/>
+                  <a:pt x="3138412" y="842879"/>
+                  <a:pt x="3138412" y="1267122"/>
+                </a:cubicBezTo>
+                <a:cubicBezTo>
+                  <a:pt x="3138412" y="2398438"/>
+                  <a:pt x="2221299" y="3315551"/>
+                  <a:pt x="1089983" y="3315551"/>
+                </a:cubicBezTo>
+                <a:cubicBezTo>
+                  <a:pt x="736447" y="3315551"/>
+                  <a:pt x="403829" y="3225989"/>
+                  <a:pt x="113581" y="3068317"/>
+                </a:cubicBezTo>
+                <a:lnTo>
+                  <a:pt x="0" y="2999315"/>
+                </a:lnTo>
+                <a:close/>
+              </a:path>
+            </a:pathLst>
+          </a:custGeom>
+          <a:solidFill>
+            <a:srgbClr val="FFFFFF"/>
+          </a:solidFill>
+          <a:ln>
+            <a:gradFill>
+              <a:gsLst>
+                <a:gs pos="0">
+                  <a:schemeClr val="accent1">
+                    <a:lumMod val="40000"/>
+                    <a:lumOff val="60000"/>
+                  </a:schemeClr>
+                </a:gs>
+                <a:gs pos="23000">
+                  <a:schemeClr val="accent1">
+                    <a:lumMod val="45000"/>
+                    <a:lumOff val="55000"/>
+                  </a:schemeClr>
+                </a:gs>
+                <a:gs pos="83000">
+                  <a:schemeClr val="bg2">
+                    <a:lumMod val="75000"/>
+                  </a:schemeClr>
+                </a:gs>
+                <a:gs pos="100000">
+                  <a:schemeClr val="bg2">
+                    <a:lumMod val="75000"/>
+                  </a:schemeClr>
+                </a:gs>
+              </a:gsLst>
+              <a:lin ang="5400000" scaled="1"/>
+            </a:gradFill>
+          </a:ln>
+        </p:spPr>
+        <p:style>
+          <a:lnRef idx="2">
+            <a:schemeClr val="accent1">
+              <a:shade val="50000"/>
+            </a:schemeClr>
+          </a:lnRef>
+          <a:fillRef idx="1">
+            <a:schemeClr val="accent1"/>
+          </a:fillRef>
+          <a:effectRef idx="0">
+            <a:schemeClr val="accent1"/>
+          </a:effectRef>
+          <a:fontRef idx="minor">
+            <a:schemeClr val="lt1"/>
+          </a:fontRef>
+        </p:style>
+        <p:txBody>
+          <a:bodyPr wrap="square" rtlCol="0" anchor="ctr">
+            <a:noAutofit/>
+          </a:bodyPr>
+          <a:lstStyle/>
+          <a:p>
+            <a:pPr algn="ctr"/>
+            <a:endParaRPr lang="en-US"/>
+          </a:p>
+        </p:txBody>
+      </p:sp>
+      <p:pic>
+        <p:nvPicPr>
+          <p:cNvPr id="11" name="Picture 11">
+            <a:extLst>
+              <a:ext uri="{FF2B5EF4-FFF2-40B4-BE49-F238E27FC236}">
+                <a16:creationId xmlns:a16="http://schemas.microsoft.com/office/drawing/2014/main" id="{3DD08037-0B0C-4A9C-84C0-7B1A48F438D6}"/>
+              </a:ext>
+            </a:extLst>
+          </p:cNvPr>
+          <p:cNvPicPr>
+            <a:picLocks noChangeAspect="1"/>
+          </p:cNvPicPr>
+          <p:nvPr/>
+        </p:nvPicPr>
+        <p:blipFill>
+          <a:blip r:embed="rId4"/>
+          <a:stretch>
+            <a:fillRect/>
+          </a:stretch>
+        </p:blipFill>
+        <p:spPr>
+          <a:xfrm>
+            <a:off x="222487" y="320231"/>
+            <a:ext cx="2296146" cy="2296146"/>
+          </a:xfrm>
+          <a:prstGeom prst="rect">
+            <a:avLst/>
+          </a:prstGeom>
+        </p:spPr>
+      </p:pic>
+      <p:sp>
+        <p:nvSpPr>
+          <p:cNvPr id="21" name="Oval 25">
+            <a:extLst>
+              <a:ext uri="{FF2B5EF4-FFF2-40B4-BE49-F238E27FC236}">
+                <a16:creationId xmlns:a16="http://schemas.microsoft.com/office/drawing/2014/main" id="{4EE44E17-6A21-4DF3-9573-0819D6F00067}"/>
+              </a:ext>
+              <a:ext uri="{C183D7F6-B498-43B3-948B-1728B52AA6E4}">
+                <adec:decorative xmlns:adec="http://schemas.microsoft.com/office/drawing/2017/decorative" val="1"/>
+              </a:ext>
+            </a:extLst>
+          </p:cNvPr>
+          <p:cNvSpPr>
+            <a:spLocks noGrp="1" noRot="1" noChangeAspect="1" noMove="1" noResize="1" noEditPoints="1" noAdjustHandles="1" noChangeArrowheads="1" noChangeShapeType="1" noTextEdit="1"/>
+          </p:cNvSpPr>
+          <p:nvPr>
+            <p:extLst>
+              <p:ext uri="{386F3935-93C4-4BCD-93E2-E3B085C9AB24}">
+                <p16:designElem xmlns:p16="http://schemas.microsoft.com/office/powerpoint/2015/main" val="1"/>
+              </p:ext>
+            </p:extLst>
+          </p:nvPr>
+        </p:nvSpPr>
+        <p:spPr>
+          <a:xfrm>
+            <a:off x="3820441" y="563445"/>
+            <a:ext cx="3123224" cy="3123224"/>
+          </a:xfrm>
+          <a:prstGeom prst="ellipse">
+            <a:avLst/>
+          </a:prstGeom>
+          <a:solidFill>
+            <a:srgbClr val="FFFFFF"/>
+          </a:solidFill>
+          <a:ln>
+            <a:gradFill>
+              <a:gsLst>
+                <a:gs pos="0">
+                  <a:schemeClr val="accent1">
+                    <a:lumMod val="40000"/>
+                    <a:lumOff val="60000"/>
+                  </a:schemeClr>
+                </a:gs>
+                <a:gs pos="23000">
+                  <a:schemeClr val="accent1">
+                    <a:lumMod val="45000"/>
+                    <a:lumOff val="55000"/>
+                  </a:schemeClr>
+                </a:gs>
+                <a:gs pos="83000">
+                  <a:schemeClr val="bg2">
+                    <a:lumMod val="75000"/>
+                  </a:schemeClr>
+                </a:gs>
+                <a:gs pos="100000">
+                  <a:schemeClr val="bg2">
+                    <a:lumMod val="75000"/>
+                  </a:schemeClr>
+                </a:gs>
+              </a:gsLst>
+              <a:lin ang="5400000" scaled="1"/>
+            </a:gradFill>
+          </a:ln>
+        </p:spPr>
+        <p:style>
+          <a:lnRef idx="2">
+            <a:schemeClr val="accent1">
+              <a:shade val="50000"/>
+            </a:schemeClr>
+          </a:lnRef>
+          <a:fillRef idx="1">
+            <a:schemeClr val="accent1"/>
+          </a:fillRef>
+          <a:effectRef idx="0">
+            <a:schemeClr val="accent1"/>
+          </a:effectRef>
+          <a:fontRef idx="minor">
+            <a:schemeClr val="lt1"/>
+          </a:fontRef>
+        </p:style>
+        <p:txBody>
+          <a:bodyPr rtlCol="0" anchor="ctr"/>
+          <a:lstStyle/>
+          <a:p>
+            <a:pPr algn="ctr"/>
+            <a:endParaRPr lang="en-US"/>
+          </a:p>
+        </p:txBody>
+      </p:sp>
+      <p:pic>
+        <p:nvPicPr>
+          <p:cNvPr id="7" name="Picture 7">
+            <a:extLst>
+              <a:ext uri="{FF2B5EF4-FFF2-40B4-BE49-F238E27FC236}">
+                <a16:creationId xmlns:a16="http://schemas.microsoft.com/office/drawing/2014/main" id="{00FC9049-224D-435C-A10E-C50BB5095F1D}"/>
+              </a:ext>
+            </a:extLst>
+          </p:cNvPr>
+          <p:cNvPicPr>
+            <a:picLocks noChangeAspect="1"/>
+          </p:cNvPicPr>
+          <p:nvPr/>
+        </p:nvPicPr>
+        <p:blipFill>
+          <a:blip r:embed="rId5"/>
+          <a:stretch>
+            <a:fillRect/>
+          </a:stretch>
+        </p:blipFill>
+        <p:spPr>
+          <a:xfrm>
+            <a:off x="4415234" y="1158239"/>
+            <a:ext cx="1933637" cy="1933637"/>
+          </a:xfrm>
+          <a:prstGeom prst="rect">
+            <a:avLst/>
+          </a:prstGeom>
+        </p:spPr>
+      </p:pic>
+      <p:sp>
+        <p:nvSpPr>
+          <p:cNvPr id="23" name="Freeform 67">
+            <a:extLst>
+              <a:ext uri="{FF2B5EF4-FFF2-40B4-BE49-F238E27FC236}">
+                <a16:creationId xmlns:a16="http://schemas.microsoft.com/office/drawing/2014/main" id="{1DE44A29-0857-4193-8859-8E5D8A3CDAE7}"/>
+              </a:ext>
+              <a:ext uri="{C183D7F6-B498-43B3-948B-1728B52AA6E4}">
+                <adec:decorative xmlns:adec="http://schemas.microsoft.com/office/drawing/2017/decorative" val="1"/>
+              </a:ext>
+            </a:extLst>
+          </p:cNvPr>
+          <p:cNvSpPr>
+            <a:spLocks noGrp="1" noRot="1" noChangeAspect="1" noMove="1" noResize="1" noEditPoints="1" noAdjustHandles="1" noChangeArrowheads="1" noChangeShapeType="1" noTextEdit="1"/>
+          </p:cNvSpPr>
+          <p:nvPr>
+            <p:extLst>
+              <p:ext uri="{386F3935-93C4-4BCD-93E2-E3B085C9AB24}">
+                <p16:designElem xmlns:p16="http://schemas.microsoft.com/office/powerpoint/2015/main" val="1"/>
+              </p:ext>
+            </p:extLst>
+          </p:nvPr>
+        </p:nvSpPr>
+        <p:spPr>
+          <a:xfrm>
+            <a:off x="7220733" y="0"/>
+            <a:ext cx="3693492" cy="2106382"/>
+          </a:xfrm>
+          <a:custGeom>
+            <a:avLst/>
+            <a:gdLst>
+              <a:gd name="connsiteX0" fmla="*/ 20343 w 3693492"/>
+              <a:gd name="connsiteY0" fmla="*/ 0 h 2106382"/>
+              <a:gd name="connsiteX1" fmla="*/ 3673149 w 3693492"/>
+              <a:gd name="connsiteY1" fmla="*/ 0 h 2106382"/>
+              <a:gd name="connsiteX2" fmla="*/ 3683957 w 3693492"/>
+              <a:gd name="connsiteY2" fmla="*/ 70817 h 2106382"/>
+              <a:gd name="connsiteX3" fmla="*/ 3693492 w 3693492"/>
+              <a:gd name="connsiteY3" fmla="*/ 259636 h 2106382"/>
+              <a:gd name="connsiteX4" fmla="*/ 1846746 w 3693492"/>
+              <a:gd name="connsiteY4" fmla="*/ 2106382 h 2106382"/>
+              <a:gd name="connsiteX5" fmla="*/ 0 w 3693492"/>
+              <a:gd name="connsiteY5" fmla="*/ 259636 h 2106382"/>
+              <a:gd name="connsiteX6" fmla="*/ 9535 w 3693492"/>
+              <a:gd name="connsiteY6" fmla="*/ 70817 h 2106382"/>
+            </a:gdLst>
+            <a:ahLst/>
+            <a:cxnLst>
+              <a:cxn ang="0">
+                <a:pos x="connsiteX0" y="connsiteY0"/>
+              </a:cxn>
+              <a:cxn ang="0">
+                <a:pos x="connsiteX1" y="connsiteY1"/>
+              </a:cxn>
+              <a:cxn ang="0">
+                <a:pos x="connsiteX2" y="connsiteY2"/>
+              </a:cxn>
+              <a:cxn ang="0">
+                <a:pos x="connsiteX3" y="connsiteY3"/>
+              </a:cxn>
+              <a:cxn ang="0">
+                <a:pos x="connsiteX4" y="connsiteY4"/>
+              </a:cxn>
+              <a:cxn ang="0">
+                <a:pos x="connsiteX5" y="connsiteY5"/>
+              </a:cxn>
+              <a:cxn ang="0">
+                <a:pos x="connsiteX6" y="connsiteY6"/>
+              </a:cxn>
+            </a:cxnLst>
+            <a:rect l="l" t="t" r="r" b="b"/>
+            <a:pathLst>
+              <a:path w="3693492" h="2106382">
+                <a:moveTo>
+                  <a:pt x="20343" y="0"/>
+                </a:moveTo>
+                <a:lnTo>
+                  <a:pt x="3673149" y="0"/>
+                </a:lnTo>
+                <a:lnTo>
+                  <a:pt x="3683957" y="70817"/>
+                </a:lnTo>
+                <a:cubicBezTo>
+                  <a:pt x="3690262" y="132899"/>
+                  <a:pt x="3693492" y="195891"/>
+                  <a:pt x="3693492" y="259636"/>
+                </a:cubicBezTo>
+                <a:cubicBezTo>
+                  <a:pt x="3693492" y="1279566"/>
+                  <a:pt x="2866676" y="2106382"/>
+                  <a:pt x="1846746" y="2106382"/>
+                </a:cubicBezTo>
+                <a:cubicBezTo>
+                  <a:pt x="826816" y="2106382"/>
+                  <a:pt x="0" y="1279566"/>
+                  <a:pt x="0" y="259636"/>
+                </a:cubicBezTo>
+                <a:cubicBezTo>
+                  <a:pt x="0" y="195891"/>
+                  <a:pt x="3230" y="132899"/>
+                  <a:pt x="9535" y="70817"/>
+                </a:cubicBezTo>
+                <a:close/>
+              </a:path>
+            </a:pathLst>
+          </a:custGeom>
+          <a:solidFill>
+            <a:srgbClr val="FFFFFF"/>
+          </a:solidFill>
+          <a:ln>
+            <a:gradFill>
+              <a:gsLst>
+                <a:gs pos="0">
+                  <a:schemeClr val="accent1">
+                    <a:lumMod val="40000"/>
+                    <a:lumOff val="60000"/>
+                  </a:schemeClr>
+                </a:gs>
+                <a:gs pos="23000">
+                  <a:schemeClr val="accent1">
+                    <a:lumMod val="45000"/>
+                    <a:lumOff val="55000"/>
+                  </a:schemeClr>
+                </a:gs>
+                <a:gs pos="83000">
+                  <a:schemeClr val="bg2">
+                    <a:lumMod val="75000"/>
+                  </a:schemeClr>
+                </a:gs>
+                <a:gs pos="100000">
+                  <a:schemeClr val="bg2">
+                    <a:lumMod val="75000"/>
+                  </a:schemeClr>
+                </a:gs>
+              </a:gsLst>
+              <a:lin ang="5400000" scaled="1"/>
+            </a:gradFill>
+          </a:ln>
+        </p:spPr>
+        <p:style>
+          <a:lnRef idx="2">
+            <a:schemeClr val="accent1">
+              <a:shade val="50000"/>
+            </a:schemeClr>
+          </a:lnRef>
+          <a:fillRef idx="1">
+            <a:schemeClr val="accent1"/>
+          </a:fillRef>
+          <a:effectRef idx="0">
+            <a:schemeClr val="accent1"/>
+          </a:effectRef>
+          <a:fontRef idx="minor">
+            <a:schemeClr val="lt1"/>
+          </a:fontRef>
+        </p:style>
+        <p:txBody>
+          <a:bodyPr wrap="square" rtlCol="0" anchor="ctr">
+            <a:noAutofit/>
+          </a:bodyPr>
+          <a:lstStyle/>
+          <a:p>
+            <a:pPr algn="ctr"/>
+            <a:endParaRPr lang="en-US"/>
+          </a:p>
+        </p:txBody>
+      </p:sp>
+      <p:pic>
+        <p:nvPicPr>
+          <p:cNvPr id="13" name="Picture 13">
+            <a:extLst>
+              <a:ext uri="{FF2B5EF4-FFF2-40B4-BE49-F238E27FC236}">
+                <a16:creationId xmlns:a16="http://schemas.microsoft.com/office/drawing/2014/main" id="{4ECFDF59-762D-4BA3-8132-ABA9B5C412FC}"/>
+              </a:ext>
+            </a:extLst>
+          </p:cNvPr>
+          <p:cNvPicPr>
+            <a:picLocks noChangeAspect="1"/>
+          </p:cNvPicPr>
+          <p:nvPr/>
+        </p:nvPicPr>
+        <p:blipFill>
+          <a:blip r:embed="rId6"/>
+          <a:stretch>
+            <a:fillRect/>
+          </a:stretch>
+        </p:blipFill>
+        <p:spPr>
+          <a:xfrm>
+            <a:off x="8101926" y="136743"/>
+            <a:ext cx="1931105" cy="1440902"/>
+          </a:xfrm>
+          <a:prstGeom prst="rect">
+            <a:avLst/>
+          </a:prstGeom>
+        </p:spPr>
+      </p:pic>
+      <p:sp>
+        <p:nvSpPr>
+          <p:cNvPr id="30" name="Freeform 71">
+            <a:extLst>
+              <a:ext uri="{FF2B5EF4-FFF2-40B4-BE49-F238E27FC236}">
+                <a16:creationId xmlns:a16="http://schemas.microsoft.com/office/drawing/2014/main" id="{B2A37BC1-02C0-4D97-8BEC-5BECAD9A3BE1}"/>
+              </a:ext>
+              <a:ext uri="{C183D7F6-B498-43B3-948B-1728B52AA6E4}">
+                <adec:decorative xmlns:adec="http://schemas.microsoft.com/office/drawing/2017/decorative" val="1"/>
+              </a:ext>
+            </a:extLst>
+          </p:cNvPr>
+          <p:cNvSpPr>
+            <a:spLocks noGrp="1" noRot="1" noChangeAspect="1" noMove="1" noResize="1" noEditPoints="1" noAdjustHandles="1" noChangeArrowheads="1" noChangeShapeType="1" noTextEdit="1"/>
+          </p:cNvSpPr>
+          <p:nvPr>
+            <p:extLst>
+              <p:ext uri="{386F3935-93C4-4BCD-93E2-E3B085C9AB24}">
+                <p16:designElem xmlns:p16="http://schemas.microsoft.com/office/powerpoint/2015/main" val="1"/>
+              </p:ext>
+            </p:extLst>
+          </p:nvPr>
+        </p:nvSpPr>
+        <p:spPr>
+          <a:xfrm>
+            <a:off x="8480944" y="2616377"/>
+            <a:ext cx="3711057" cy="4251098"/>
+          </a:xfrm>
+          <a:custGeom>
+            <a:avLst/>
+            <a:gdLst>
+              <a:gd name="connsiteX0" fmla="*/ 2538398 w 3711057"/>
+              <a:gd name="connsiteY0" fmla="*/ 0 h 4251098"/>
+              <a:gd name="connsiteX1" fmla="*/ 3526457 w 3711057"/>
+              <a:gd name="connsiteY1" fmla="*/ 199480 h 4251098"/>
+              <a:gd name="connsiteX2" fmla="*/ 3711057 w 3711057"/>
+              <a:gd name="connsiteY2" fmla="*/ 288406 h 4251098"/>
+              <a:gd name="connsiteX3" fmla="*/ 3711057 w 3711057"/>
+              <a:gd name="connsiteY3" fmla="*/ 4251098 h 4251098"/>
+              <a:gd name="connsiteX4" fmla="*/ 668754 w 3711057"/>
+              <a:gd name="connsiteY4" fmla="*/ 4251098 h 4251098"/>
+              <a:gd name="connsiteX5" fmla="*/ 579647 w 3711057"/>
+              <a:gd name="connsiteY5" fmla="*/ 4153055 h 4251098"/>
+              <a:gd name="connsiteX6" fmla="*/ 0 w 3711057"/>
+              <a:gd name="connsiteY6" fmla="*/ 2538398 h 4251098"/>
+              <a:gd name="connsiteX7" fmla="*/ 2538398 w 3711057"/>
+              <a:gd name="connsiteY7" fmla="*/ 0 h 4251098"/>
+            </a:gdLst>
+            <a:ahLst/>
+            <a:cxnLst>
+              <a:cxn ang="0">
+                <a:pos x="connsiteX0" y="connsiteY0"/>
+              </a:cxn>
+              <a:cxn ang="0">
+                <a:pos x="connsiteX1" y="connsiteY1"/>
+              </a:cxn>
+              <a:cxn ang="0">
+                <a:pos x="connsiteX2" y="connsiteY2"/>
+              </a:cxn>
+              <a:cxn ang="0">
+                <a:pos x="connsiteX3" y="connsiteY3"/>
+              </a:cxn>
+              <a:cxn ang="0">
+                <a:pos x="connsiteX4" y="connsiteY4"/>
+              </a:cxn>
+              <a:cxn ang="0">
+                <a:pos x="connsiteX5" y="connsiteY5"/>
+              </a:cxn>
+              <a:cxn ang="0">
+                <a:pos x="connsiteX6" y="connsiteY6"/>
+              </a:cxn>
+              <a:cxn ang="0">
+                <a:pos x="connsiteX7" y="connsiteY7"/>
+              </a:cxn>
+            </a:cxnLst>
+            <a:rect l="l" t="t" r="r" b="b"/>
+            <a:pathLst>
+              <a:path w="3711057" h="4251098">
+                <a:moveTo>
+                  <a:pt x="2538398" y="0"/>
+                </a:moveTo>
+                <a:cubicBezTo>
+                  <a:pt x="2888878" y="0"/>
+                  <a:pt x="3222768" y="71030"/>
+                  <a:pt x="3526457" y="199480"/>
+                </a:cubicBezTo>
+                <a:lnTo>
+                  <a:pt x="3711057" y="288406"/>
+                </a:lnTo>
+                <a:lnTo>
+                  <a:pt x="3711057" y="4251098"/>
+                </a:lnTo>
+                <a:lnTo>
+                  <a:pt x="668754" y="4251098"/>
+                </a:lnTo>
+                <a:lnTo>
+                  <a:pt x="579647" y="4153055"/>
+                </a:lnTo>
+                <a:cubicBezTo>
+                  <a:pt x="217529" y="3714270"/>
+                  <a:pt x="0" y="3151738"/>
+                  <a:pt x="0" y="2538398"/>
+                </a:cubicBezTo>
+                <a:cubicBezTo>
+                  <a:pt x="0" y="1136479"/>
+                  <a:pt x="1136479" y="0"/>
+                  <a:pt x="2538398" y="0"/>
+                </a:cubicBezTo>
+                <a:close/>
+              </a:path>
+            </a:pathLst>
+          </a:custGeom>
+          <a:solidFill>
+            <a:srgbClr val="FFFFFF"/>
+          </a:solidFill>
+          <a:ln>
+            <a:gradFill>
+              <a:gsLst>
+                <a:gs pos="0">
+                  <a:schemeClr val="accent1">
+                    <a:lumMod val="40000"/>
+                    <a:lumOff val="60000"/>
+                  </a:schemeClr>
+                </a:gs>
+                <a:gs pos="23000">
+                  <a:schemeClr val="accent1">
+                    <a:lumMod val="45000"/>
+                    <a:lumOff val="55000"/>
+                  </a:schemeClr>
+                </a:gs>
+                <a:gs pos="83000">
+                  <a:schemeClr val="bg2">
+                    <a:lumMod val="75000"/>
+                  </a:schemeClr>
+                </a:gs>
+                <a:gs pos="100000">
+                  <a:schemeClr val="bg2">
+                    <a:lumMod val="75000"/>
+                  </a:schemeClr>
+                </a:gs>
+              </a:gsLst>
+              <a:lin ang="5400000" scaled="1"/>
+            </a:gradFill>
+          </a:ln>
+        </p:spPr>
+        <p:style>
+          <a:lnRef idx="2">
+            <a:schemeClr val="accent1">
+              <a:shade val="50000"/>
+            </a:schemeClr>
+          </a:lnRef>
+          <a:fillRef idx="1">
+            <a:schemeClr val="accent1"/>
+          </a:fillRef>
+          <a:effectRef idx="0">
+            <a:schemeClr val="accent1"/>
+          </a:effectRef>
+          <a:fontRef idx="minor">
+            <a:schemeClr val="lt1"/>
+          </a:fontRef>
+        </p:style>
+        <p:txBody>
+          <a:bodyPr wrap="square" rtlCol="0" anchor="ctr">
+            <a:noAutofit/>
+          </a:bodyPr>
+          <a:lstStyle/>
+          <a:p>
+            <a:pPr algn="ctr"/>
+            <a:endParaRPr lang="en-US"/>
+          </a:p>
+        </p:txBody>
+      </p:sp>
+      <p:pic>
+        <p:nvPicPr>
+          <p:cNvPr id="9" name="Picture 9">
+            <a:extLst>
+              <a:ext uri="{FF2B5EF4-FFF2-40B4-BE49-F238E27FC236}">
+                <a16:creationId xmlns:a16="http://schemas.microsoft.com/office/drawing/2014/main" id="{3C3F98DD-70EF-4548-B9F7-F81732E31264}"/>
+              </a:ext>
+            </a:extLst>
+          </p:cNvPr>
+          <p:cNvPicPr>
+            <a:picLocks noChangeAspect="1"/>
+          </p:cNvPicPr>
+          <p:nvPr/>
+        </p:nvPicPr>
+        <p:blipFill>
+          <a:blip r:embed="rId7"/>
+          <a:stretch>
+            <a:fillRect/>
+          </a:stretch>
+        </p:blipFill>
+        <p:spPr>
+          <a:xfrm>
+            <a:off x="9145168" y="3734501"/>
+            <a:ext cx="2816218" cy="2816218"/>
+          </a:xfrm>
+          <a:prstGeom prst="rect">
+            <a:avLst/>
+          </a:prstGeom>
+        </p:spPr>
+      </p:pic>
+      <p:sp>
+        <p:nvSpPr>
+          <p:cNvPr id="25" name="TextBox 24">
+            <a:extLst>
+              <a:ext uri="{FF2B5EF4-FFF2-40B4-BE49-F238E27FC236}">
+                <a16:creationId xmlns:a16="http://schemas.microsoft.com/office/drawing/2014/main" id="{0CBA8964-6684-4501-A5F0-342F56C4DE43}"/>
+              </a:ext>
+            </a:extLst>
+          </p:cNvPr>
+          <p:cNvSpPr txBox="1"/>
+          <p:nvPr/>
+        </p:nvSpPr>
+        <p:spPr>
+          <a:xfrm>
+            <a:off x="1906438" y="3825815"/>
+            <a:ext cx="2944483" cy="2954655"/>
+          </a:xfrm>
+          <a:prstGeom prst="rect">
+            <a:avLst/>
+          </a:prstGeom>
+        </p:spPr>
+        <p:txBody>
+          <a:bodyPr rot="0" spcFirstLastPara="0" vertOverflow="overflow" horzOverflow="overflow" vert="horz" wrap="square" lIns="91440" tIns="45720" rIns="91440" bIns="45720" numCol="1" spcCol="0" rtlCol="0" fromWordArt="0" anchor="t" anchorCtr="0" forceAA="0" compatLnSpc="1">
+            <a:prstTxWarp prst="textNoShape">
+              <a:avLst/>
+            </a:prstTxWarp>
+            <a:spAutoFit/>
+          </a:bodyPr>
+          <a:lstStyle/>
+          <a:p>
+            <a:pPr marL="285750" indent="-285750">
+              <a:buFont typeface="Arial"/>
+              <a:buChar char="•"/>
+            </a:pPr>
+            <a:r>
+              <a:rPr lang="en-US" sz="2400">
+                <a:latin typeface="Dubai"/>
+                <a:cs typeface="Dubai"/>
+              </a:rPr>
+              <a:t>Docker</a:t>
+            </a:r>
+            <a:br>
+              <a:rPr lang="en-US" sz="2400" dirty="0">
+                <a:latin typeface="Dubai"/>
+                <a:cs typeface="Dubai"/>
+              </a:rPr>
+            </a:br>
+            <a:endParaRPr lang="en-US" sz="2400" dirty="0">
+              <a:latin typeface="Dubai"/>
+              <a:cs typeface="Dubai"/>
+            </a:endParaRPr>
+          </a:p>
+          <a:p>
+            <a:pPr marL="285750" indent="-285750">
+              <a:buFont typeface="Arial"/>
+              <a:buChar char="•"/>
+            </a:pPr>
+            <a:r>
+              <a:rPr lang="en-US" sz="2400">
+                <a:latin typeface="Dubai"/>
+                <a:ea typeface="+mn-lt"/>
+                <a:cs typeface="Dubai"/>
+              </a:rPr>
+              <a:t>Python</a:t>
+            </a:r>
+            <a:br>
+              <a:rPr lang="en-US" sz="2400" dirty="0">
+                <a:latin typeface="Dubai"/>
+                <a:ea typeface="+mn-lt"/>
+                <a:cs typeface="Dubai"/>
+              </a:rPr>
+            </a:br>
+            <a:endParaRPr lang="en-US" sz="2400" dirty="0">
+              <a:latin typeface="Dubai"/>
+              <a:ea typeface="+mn-lt"/>
+              <a:cs typeface="Dubai"/>
+            </a:endParaRPr>
+          </a:p>
+          <a:p>
+            <a:pPr marL="285750" indent="-285750">
+              <a:buFont typeface="Arial"/>
+              <a:buChar char="•"/>
+            </a:pPr>
+            <a:r>
+              <a:rPr lang="en-US" sz="2400">
+                <a:latin typeface="Dubai"/>
+                <a:ea typeface="+mn-lt"/>
+                <a:cs typeface="Dubai"/>
+              </a:rPr>
+              <a:t>mongoDB</a:t>
+            </a:r>
+            <a:br>
+              <a:rPr lang="en-US" sz="2400" dirty="0">
+                <a:latin typeface="Dubai"/>
+                <a:ea typeface="+mn-lt"/>
+                <a:cs typeface="Dubai"/>
+              </a:rPr>
+            </a:br>
+            <a:endParaRPr lang="en-US" sz="2400" dirty="0">
+              <a:latin typeface="Dubai"/>
+              <a:ea typeface="+mn-lt"/>
+              <a:cs typeface="Dubai"/>
+            </a:endParaRPr>
+          </a:p>
+          <a:p>
+            <a:pPr marL="285750" indent="-285750">
+              <a:buFont typeface="Arial"/>
+              <a:buChar char="•"/>
+            </a:pPr>
+            <a:r>
+              <a:rPr lang="en-US" sz="2400">
+                <a:latin typeface="Dubai"/>
+                <a:ea typeface="+mn-lt"/>
+                <a:cs typeface="Dubai"/>
+              </a:rPr>
+              <a:t>ELK </a:t>
+            </a:r>
+            <a:endParaRPr lang="en-US" dirty="0">
+              <a:ea typeface="+mn-lt"/>
+              <a:cs typeface="+mn-lt"/>
+            </a:endParaRPr>
+          </a:p>
+          <a:p>
+            <a:pPr marL="285750" indent="-285750">
+              <a:buFont typeface="Arial"/>
+              <a:buChar char="•"/>
+            </a:pPr>
+            <a:endParaRPr lang="en-US" dirty="0">
+              <a:cs typeface="Calibri"/>
+            </a:endParaRPr>
+          </a:p>
+        </p:txBody>
+      </p:sp>
+    </p:spTree>
+    <p:extLst>
+      <p:ext uri="{BB962C8B-B14F-4D97-AF65-F5344CB8AC3E}">
+        <p14:creationId xmlns:p14="http://schemas.microsoft.com/office/powerpoint/2010/main" val="601603431"/>
+      </p:ext>
+    </p:extLst>
+  </p:cSld>
+  <p:clrMapOvr>
+    <a:masterClrMapping/>
+  </p:clrMapOvr>
+</p:sld>
+</file>
+
+<file path=ppt/slides/slide4.xml><?xml version="1.0" encoding="utf-8"?>
+<p:sld xmlns:a="http://schemas.openxmlformats.org/drawingml/2006/main" xmlns:r="http://schemas.openxmlformats.org/officeDocument/2006/relationships" xmlns:p="http://schemas.openxmlformats.org/presentationml/2006/main">
+  <p:cSld>
     <p:spTree>
       <p:nvGrpSpPr>
         <p:cNvPr id="1" name=""/>
@@ -6835,7 +8264,7 @@
 </p:sld>
 </file>
 
-<file path=ppt/slides/slide4.xml><?xml version="1.0" encoding="utf-8"?>
+<file path=ppt/slides/slide5.xml><?xml version="1.0" encoding="utf-8"?>
 <p:sld xmlns:a="http://schemas.openxmlformats.org/drawingml/2006/main" xmlns:r="http://schemas.openxmlformats.org/officeDocument/2006/relationships" xmlns:p="http://schemas.openxmlformats.org/presentationml/2006/main">
   <p:cSld>
     <p:spTree>
@@ -6985,7 +8414,7 @@
               <a:rPr lang="en-US">
                 <a:cs typeface="Calibri"/>
               </a:rPr>
-              <a:t>Calculo de puntuaciónes de las IPs</a:t>
+              <a:t>Cálculo de puntuaciónes de las IPs</a:t>
             </a:r>
           </a:p>
           <a:p>
@@ -6994,7 +8423,7 @@
               <a:rPr lang="en-US">
                 <a:cs typeface="Calibri"/>
               </a:rPr>
-              <a:t>Ejecución de medidas: Alerta via telegram y baneos temporales.</a:t>
+              <a:t>Ejecución de medidas: Alerta vía telegram y baneos temporales.</a:t>
             </a:r>
             <a:endParaRPr lang="en-US" dirty="0">
               <a:cs typeface="Calibri"/>
